--- a/BCI - Day12 - Reactjs 1 Intro.pptx
+++ b/BCI - Day12 - Reactjs 1 Intro.pptx
@@ -16,9 +16,17 @@
     <p:sldId id="1826" r:id="rId9"/>
     <p:sldId id="1817" r:id="rId10"/>
     <p:sldId id="1828" r:id="rId11"/>
-    <p:sldId id="1818" r:id="rId12"/>
-    <p:sldId id="1832" r:id="rId13"/>
-    <p:sldId id="1843" r:id="rId14"/>
+    <p:sldId id="1844" r:id="rId12"/>
+    <p:sldId id="1818" r:id="rId13"/>
+    <p:sldId id="1832" r:id="rId14"/>
+    <p:sldId id="1843" r:id="rId15"/>
+    <p:sldId id="1849" r:id="rId16"/>
+    <p:sldId id="1848" r:id="rId17"/>
+    <p:sldId id="1850" r:id="rId18"/>
+    <p:sldId id="1851" r:id="rId19"/>
+    <p:sldId id="1845" r:id="rId20"/>
+    <p:sldId id="1846" r:id="rId21"/>
+    <p:sldId id="1847" r:id="rId22"/>
   </p:sldIdLst>
   <p:sldSz cx="9144000" cy="6858000" type="screen4x3"/>
   <p:notesSz cx="7315200" cy="9601200"/>
@@ -7306,6 +7314,255 @@
                 <a:latin typeface="Calibri" panose="020F0502020204030204" pitchFamily="34" charset="0"/>
                 <a:cs typeface="Calibri" panose="020F0502020204030204" pitchFamily="34" charset="0"/>
               </a:rPr>
+              <a:t>Functional Component and Hooks</a:t>
+            </a:r>
+            <a:endParaRPr lang="en-US" sz="3200" b="1" dirty="0">
+              <a:latin typeface="Calibri" panose="020F0502020204030204" pitchFamily="34" charset="0"/>
+              <a:cs typeface="Calibri" panose="020F0502020204030204" pitchFamily="34" charset="0"/>
+            </a:endParaRPr>
+          </a:p>
+        </p:txBody>
+      </p:sp>
+      <p:sp>
+        <p:nvSpPr>
+          <p:cNvPr id="3" name="Content Placeholder 2"/>
+          <p:cNvSpPr>
+            <a:spLocks noGrp="1"/>
+          </p:cNvSpPr>
+          <p:nvPr>
+            <p:ph idx="1"/>
+          </p:nvPr>
+        </p:nvSpPr>
+        <p:spPr>
+          <a:xfrm>
+            <a:off x="628650" y="989044"/>
+            <a:ext cx="7886700" cy="5605719"/>
+          </a:xfrm>
+        </p:spPr>
+        <p:txBody>
+          <a:bodyPr>
+            <a:normAutofit/>
+          </a:bodyPr>
+          <a:lstStyle/>
+          <a:p>
+            <a:pPr defTabSz="342900">
+              <a:lnSpc>
+                <a:spcPct val="120000"/>
+              </a:lnSpc>
+            </a:pPr>
+            <a:r>
+              <a:rPr lang="en-US" altLang="en-US" sz="1800" dirty="0">
+                <a:solidFill>
+                  <a:srgbClr val="262626"/>
+                </a:solidFill>
+              </a:rPr>
+              <a:t>Hooks, an API that allows your functional components to "Hook" into React functionality. </a:t>
+            </a:r>
+            <a:endParaRPr lang="en-US" altLang="en-US" sz="1800" dirty="0">
+              <a:solidFill>
+                <a:srgbClr val="262626"/>
+              </a:solidFill>
+            </a:endParaRPr>
+          </a:p>
+          <a:p>
+            <a:pPr defTabSz="342900">
+              <a:lnSpc>
+                <a:spcPct val="120000"/>
+              </a:lnSpc>
+            </a:pPr>
+            <a:r>
+              <a:rPr lang="en-US" altLang="en-US" sz="1800" dirty="0">
+                <a:solidFill>
+                  <a:srgbClr val="262626"/>
+                </a:solidFill>
+              </a:rPr>
+              <a:t>The overarching motivation for this feature is to simplify your components. For example, forcing React developers to use classes to define their components leads to the overuse of wrapper components to pass state around their apps. </a:t>
+            </a:r>
+            <a:endParaRPr lang="en-US" altLang="en-US" sz="1800" dirty="0">
+              <a:solidFill>
+                <a:srgbClr val="262626"/>
+              </a:solidFill>
+            </a:endParaRPr>
+          </a:p>
+          <a:p>
+            <a:pPr defTabSz="342900">
+              <a:lnSpc>
+                <a:spcPct val="120000"/>
+              </a:lnSpc>
+            </a:pPr>
+            <a:r>
+              <a:rPr lang="en-US" altLang="en-US" sz="1800" dirty="0">
+                <a:solidFill>
+                  <a:srgbClr val="262626"/>
+                </a:solidFill>
+              </a:rPr>
+              <a:t>With Hooks, you can stick with simple functions to implement your components and have a clear picture of how everything fits together.</a:t>
+            </a:r>
+            <a:endParaRPr lang="en-US" altLang="en-US" sz="1800" dirty="0">
+              <a:solidFill>
+                <a:srgbClr val="262626"/>
+              </a:solidFill>
+            </a:endParaRPr>
+          </a:p>
+          <a:p>
+            <a:pPr defTabSz="342900">
+              <a:lnSpc>
+                <a:spcPct val="120000"/>
+              </a:lnSpc>
+            </a:pPr>
+            <a:endParaRPr lang="en-US" altLang="en-US" sz="1800" dirty="0">
+              <a:solidFill>
+                <a:srgbClr val="262626"/>
+              </a:solidFill>
+            </a:endParaRPr>
+          </a:p>
+          <a:p>
+            <a:pPr defTabSz="342900">
+              <a:lnSpc>
+                <a:spcPct val="120000"/>
+              </a:lnSpc>
+            </a:pPr>
+            <a:r>
+              <a:rPr lang="en-US" altLang="en-US" sz="1800" dirty="0">
+                <a:solidFill>
+                  <a:srgbClr val="262626"/>
+                </a:solidFill>
+              </a:rPr>
+              <a:t>Functional Component: more flexible and simpler than Class Component</a:t>
+            </a:r>
+            <a:endParaRPr lang="en-US" altLang="en-US" sz="1800" dirty="0">
+              <a:solidFill>
+                <a:srgbClr val="262626"/>
+              </a:solidFill>
+            </a:endParaRPr>
+          </a:p>
+          <a:p>
+            <a:pPr defTabSz="342900">
+              <a:lnSpc>
+                <a:spcPct val="120000"/>
+              </a:lnSpc>
+            </a:pPr>
+            <a:endParaRPr lang="en-US" altLang="en-US" sz="1800" dirty="0">
+              <a:solidFill>
+                <a:srgbClr val="262626"/>
+              </a:solidFill>
+            </a:endParaRPr>
+          </a:p>
+          <a:p>
+            <a:pPr defTabSz="342900">
+              <a:lnSpc>
+                <a:spcPct val="120000"/>
+              </a:lnSpc>
+            </a:pPr>
+            <a:r>
+              <a:rPr lang="en-US" altLang="en-US" sz="1800" dirty="0">
+                <a:solidFill>
+                  <a:srgbClr val="262626"/>
+                </a:solidFill>
+              </a:rPr>
+              <a:t>1.Functional Components also known as Stateless component</a:t>
+            </a:r>
+            <a:endParaRPr lang="en-US" altLang="en-US" sz="1800" dirty="0">
+              <a:solidFill>
+                <a:srgbClr val="262626"/>
+              </a:solidFill>
+            </a:endParaRPr>
+          </a:p>
+          <a:p>
+            <a:pPr defTabSz="342900">
+              <a:lnSpc>
+                <a:spcPct val="120000"/>
+              </a:lnSpc>
+            </a:pPr>
+            <a:r>
+              <a:rPr lang="en-US" altLang="en-US" sz="1800" dirty="0">
+                <a:solidFill>
+                  <a:srgbClr val="262626"/>
+                </a:solidFill>
+              </a:rPr>
+              <a:t>2.Class Component also known as Stateful component</a:t>
+            </a:r>
+            <a:endParaRPr lang="en-US" altLang="en-US" sz="1800" dirty="0">
+              <a:solidFill>
+                <a:srgbClr val="262626"/>
+              </a:solidFill>
+            </a:endParaRPr>
+          </a:p>
+          <a:p>
+            <a:pPr defTabSz="342900">
+              <a:lnSpc>
+                <a:spcPct val="120000"/>
+              </a:lnSpc>
+            </a:pPr>
+            <a:r>
+              <a:rPr lang="en-US" altLang="en-US" sz="1800" dirty="0">
+                <a:solidFill>
+                  <a:srgbClr val="262626"/>
+                </a:solidFill>
+              </a:rPr>
+              <a:t>how to use hooks?</a:t>
+            </a:r>
+            <a:endParaRPr lang="zh-CN" altLang="en-US" sz="1800" dirty="0">
+              <a:solidFill>
+                <a:srgbClr val="262626"/>
+              </a:solidFill>
+            </a:endParaRPr>
+          </a:p>
+        </p:txBody>
+      </p:sp>
+    </p:spTree>
+  </p:cSld>
+  <p:clrMapOvr>
+    <a:masterClrMapping/>
+  </p:clrMapOvr>
+</p:sld>
+</file>
+
+<file path=ppt/slides/slide11.xml><?xml version="1.0" encoding="utf-8"?>
+<p:sld xmlns:a="http://schemas.openxmlformats.org/drawingml/2006/main" xmlns:r="http://schemas.openxmlformats.org/officeDocument/2006/relationships" xmlns:p="http://schemas.openxmlformats.org/presentationml/2006/main">
+  <p:cSld>
+    <p:spTree>
+      <p:nvGrpSpPr>
+        <p:cNvPr id="1" name=""/>
+        <p:cNvGrpSpPr/>
+        <p:nvPr/>
+      </p:nvGrpSpPr>
+      <p:grpSpPr>
+        <a:xfrm>
+          <a:off x="0" y="0"/>
+          <a:ext cx="0" cy="0"/>
+          <a:chOff x="0" y="0"/>
+          <a:chExt cx="0" cy="0"/>
+        </a:xfrm>
+      </p:grpSpPr>
+      <p:sp>
+        <p:nvSpPr>
+          <p:cNvPr id="2" name="Title 1"/>
+          <p:cNvSpPr>
+            <a:spLocks noGrp="1"/>
+          </p:cNvSpPr>
+          <p:nvPr>
+            <p:ph type="title"/>
+          </p:nvPr>
+        </p:nvSpPr>
+        <p:spPr>
+          <a:xfrm>
+            <a:off x="628650" y="155263"/>
+            <a:ext cx="7886700" cy="526790"/>
+          </a:xfrm>
+        </p:spPr>
+        <p:txBody>
+          <a:bodyPr>
+            <a:normAutofit fontScale="90000"/>
+          </a:bodyPr>
+          <a:lstStyle/>
+          <a:p>
+            <a:pPr algn="ctr"/>
+            <a:r>
+              <a:rPr lang="en-US" sz="3200" b="1" dirty="0">
+                <a:latin typeface="Calibri" panose="020F0502020204030204" pitchFamily="34" charset="0"/>
+                <a:cs typeface="Calibri" panose="020F0502020204030204" pitchFamily="34" charset="0"/>
+              </a:rPr>
               <a:t>Code Demo</a:t>
             </a:r>
             <a:endParaRPr lang="en-US" sz="3200" b="1" dirty="0">
@@ -7376,7 +7633,7 @@
 </p:sld>
 </file>
 
-<file path=ppt/slides/slide11.xml><?xml version="1.0" encoding="utf-8"?>
+<file path=ppt/slides/slide12.xml><?xml version="1.0" encoding="utf-8"?>
 <p:sld xmlns:a="http://schemas.openxmlformats.org/drawingml/2006/main" xmlns:r="http://schemas.openxmlformats.org/officeDocument/2006/relationships" xmlns:p="http://schemas.openxmlformats.org/presentationml/2006/main">
   <p:cSld>
     <p:spTree>
@@ -7486,6 +7743,1358 @@
 </p:sld>
 </file>
 
+<file path=ppt/slides/slide13.xml><?xml version="1.0" encoding="utf-8"?>
+<p:sld xmlns:a="http://schemas.openxmlformats.org/drawingml/2006/main" xmlns:r="http://schemas.openxmlformats.org/officeDocument/2006/relationships" xmlns:p="http://schemas.openxmlformats.org/presentationml/2006/main">
+  <p:cSld>
+    <p:spTree>
+      <p:nvGrpSpPr>
+        <p:cNvPr id="1" name=""/>
+        <p:cNvGrpSpPr/>
+        <p:nvPr/>
+      </p:nvGrpSpPr>
+      <p:grpSpPr>
+        <a:xfrm>
+          <a:off x="0" y="0"/>
+          <a:ext cx="0" cy="0"/>
+          <a:chOff x="0" y="0"/>
+          <a:chExt cx="0" cy="0"/>
+        </a:xfrm>
+      </p:grpSpPr>
+      <p:sp>
+        <p:nvSpPr>
+          <p:cNvPr id="2" name="Title 1"/>
+          <p:cNvSpPr>
+            <a:spLocks noGrp="1"/>
+          </p:cNvSpPr>
+          <p:nvPr>
+            <p:ph type="title"/>
+          </p:nvPr>
+        </p:nvSpPr>
+        <p:spPr>
+          <a:xfrm>
+            <a:off x="628650" y="155263"/>
+            <a:ext cx="7886700" cy="526790"/>
+          </a:xfrm>
+        </p:spPr>
+        <p:txBody>
+          <a:bodyPr>
+            <a:normAutofit fontScale="90000"/>
+          </a:bodyPr>
+          <a:lstStyle/>
+          <a:p>
+            <a:pPr algn="ctr"/>
+            <a:r>
+              <a:rPr lang="en-US" sz="3200" b="1" dirty="0">
+                <a:latin typeface="Calibri" panose="020F0502020204030204" pitchFamily="34" charset="0"/>
+                <a:cs typeface="Calibri" panose="020F0502020204030204" pitchFamily="34" charset="0"/>
+              </a:rPr>
+              <a:t>Context</a:t>
+            </a:r>
+            <a:endParaRPr lang="en-US" sz="3200" b="1" dirty="0">
+              <a:latin typeface="Calibri" panose="020F0502020204030204" pitchFamily="34" charset="0"/>
+              <a:cs typeface="Calibri" panose="020F0502020204030204" pitchFamily="34" charset="0"/>
+            </a:endParaRPr>
+          </a:p>
+        </p:txBody>
+      </p:sp>
+      <p:sp>
+        <p:nvSpPr>
+          <p:cNvPr id="3" name="Content Placeholder 2"/>
+          <p:cNvSpPr>
+            <a:spLocks noGrp="1"/>
+          </p:cNvSpPr>
+          <p:nvPr>
+            <p:ph idx="1"/>
+          </p:nvPr>
+        </p:nvSpPr>
+        <p:spPr>
+          <a:xfrm>
+            <a:off x="628650" y="989044"/>
+            <a:ext cx="7886700" cy="5605719"/>
+          </a:xfrm>
+        </p:spPr>
+        <p:txBody>
+          <a:bodyPr>
+            <a:normAutofit/>
+          </a:bodyPr>
+          <a:lstStyle/>
+          <a:p>
+            <a:pPr defTabSz="342900">
+              <a:lnSpc>
+                <a:spcPct val="120000"/>
+              </a:lnSpc>
+            </a:pPr>
+            <a:r>
+              <a:rPr lang="en-US" altLang="zh-CN" sz="1800" dirty="0">
+                <a:solidFill>
+                  <a:srgbClr val="262626"/>
+                </a:solidFill>
+              </a:rPr>
+              <a:t>Context acts as global variables, comparing with props and states (</a:t>
+            </a:r>
+            <a:r>
+              <a:rPr lang="en-US" altLang="zh-CN" sz="1800" dirty="0">
+                <a:solidFill>
+                  <a:srgbClr val="FF0000"/>
+                </a:solidFill>
+              </a:rPr>
+              <a:t>draw diagram</a:t>
+            </a:r>
+            <a:r>
+              <a:rPr lang="en-US" altLang="zh-CN" sz="1800" dirty="0">
+                <a:solidFill>
+                  <a:srgbClr val="262626"/>
+                </a:solidFill>
+              </a:rPr>
+              <a:t>)</a:t>
+            </a:r>
+            <a:endParaRPr lang="en-US" altLang="zh-CN" sz="1800" dirty="0">
+              <a:solidFill>
+                <a:srgbClr val="262626"/>
+              </a:solidFill>
+            </a:endParaRPr>
+          </a:p>
+        </p:txBody>
+      </p:sp>
+      <p:pic>
+        <p:nvPicPr>
+          <p:cNvPr id="5" name="图片 4"/>
+          <p:cNvPicPr>
+            <a:picLocks noChangeAspect="1"/>
+          </p:cNvPicPr>
+          <p:nvPr/>
+        </p:nvPicPr>
+        <p:blipFill>
+          <a:blip r:embed="rId1"/>
+          <a:stretch>
+            <a:fillRect/>
+          </a:stretch>
+        </p:blipFill>
+        <p:spPr>
+          <a:xfrm>
+            <a:off x="628650" y="1452245"/>
+            <a:ext cx="6978015" cy="5405755"/>
+          </a:xfrm>
+          <a:prstGeom prst="rect">
+            <a:avLst/>
+          </a:prstGeom>
+        </p:spPr>
+      </p:pic>
+    </p:spTree>
+  </p:cSld>
+  <p:clrMapOvr>
+    <a:masterClrMapping/>
+  </p:clrMapOvr>
+</p:sld>
+</file>
+
+<file path=ppt/slides/slide14.xml><?xml version="1.0" encoding="utf-8"?>
+<p:sld xmlns:a="http://schemas.openxmlformats.org/drawingml/2006/main" xmlns:r="http://schemas.openxmlformats.org/officeDocument/2006/relationships" xmlns:p="http://schemas.openxmlformats.org/presentationml/2006/main">
+  <p:cSld>
+    <p:spTree>
+      <p:nvGrpSpPr>
+        <p:cNvPr id="1" name=""/>
+        <p:cNvGrpSpPr/>
+        <p:nvPr/>
+      </p:nvGrpSpPr>
+      <p:grpSpPr>
+        <a:xfrm>
+          <a:off x="0" y="0"/>
+          <a:ext cx="0" cy="0"/>
+          <a:chOff x="0" y="0"/>
+          <a:chExt cx="0" cy="0"/>
+        </a:xfrm>
+      </p:grpSpPr>
+      <p:sp>
+        <p:nvSpPr>
+          <p:cNvPr id="2" name="Title 1"/>
+          <p:cNvSpPr>
+            <a:spLocks noGrp="1"/>
+          </p:cNvSpPr>
+          <p:nvPr>
+            <p:ph type="title"/>
+          </p:nvPr>
+        </p:nvSpPr>
+        <p:spPr>
+          <a:xfrm>
+            <a:off x="628650" y="155263"/>
+            <a:ext cx="7886700" cy="526790"/>
+          </a:xfrm>
+        </p:spPr>
+        <p:txBody>
+          <a:bodyPr>
+            <a:normAutofit fontScale="90000"/>
+          </a:bodyPr>
+          <a:lstStyle/>
+          <a:p>
+            <a:pPr algn="ctr"/>
+            <a:r>
+              <a:rPr lang="en-US" sz="3200" b="1" dirty="0">
+                <a:latin typeface="Calibri" panose="020F0502020204030204" pitchFamily="34" charset="0"/>
+                <a:cs typeface="Calibri" panose="020F0502020204030204" pitchFamily="34" charset="0"/>
+              </a:rPr>
+              <a:t>Context</a:t>
+            </a:r>
+            <a:endParaRPr lang="en-US" sz="3200" b="1" dirty="0">
+              <a:latin typeface="Calibri" panose="020F0502020204030204" pitchFamily="34" charset="0"/>
+              <a:cs typeface="Calibri" panose="020F0502020204030204" pitchFamily="34" charset="0"/>
+            </a:endParaRPr>
+          </a:p>
+        </p:txBody>
+      </p:sp>
+      <p:pic>
+        <p:nvPicPr>
+          <p:cNvPr id="6" name="图片 5"/>
+          <p:cNvPicPr>
+            <a:picLocks noChangeAspect="1"/>
+          </p:cNvPicPr>
+          <p:nvPr/>
+        </p:nvPicPr>
+        <p:blipFill>
+          <a:blip r:embed="rId1"/>
+          <a:stretch>
+            <a:fillRect/>
+          </a:stretch>
+        </p:blipFill>
+        <p:spPr>
+          <a:xfrm>
+            <a:off x="628650" y="1588135"/>
+            <a:ext cx="6332855" cy="3134995"/>
+          </a:xfrm>
+          <a:prstGeom prst="rect">
+            <a:avLst/>
+          </a:prstGeom>
+        </p:spPr>
+      </p:pic>
+      <p:sp>
+        <p:nvSpPr>
+          <p:cNvPr id="5" name="Content Placeholder 2"/>
+          <p:cNvSpPr>
+            <a:spLocks noGrp="1"/>
+          </p:cNvSpPr>
+          <p:nvPr>
+            <p:ph idx="1"/>
+          </p:nvPr>
+        </p:nvSpPr>
+        <p:spPr>
+          <a:xfrm>
+            <a:off x="628650" y="989044"/>
+            <a:ext cx="7886700" cy="5605719"/>
+          </a:xfrm>
+        </p:spPr>
+        <p:txBody>
+          <a:bodyPr>
+            <a:normAutofit/>
+          </a:bodyPr>
+          <a:p>
+            <a:pPr defTabSz="342900">
+              <a:lnSpc>
+                <a:spcPct val="120000"/>
+              </a:lnSpc>
+            </a:pPr>
+            <a:r>
+              <a:rPr lang="en-US" altLang="zh-CN" sz="1800" dirty="0">
+                <a:solidFill>
+                  <a:srgbClr val="262626"/>
+                </a:solidFill>
+              </a:rPr>
+              <a:t>Implimentation 1</a:t>
+            </a:r>
+            <a:endParaRPr lang="en-US" altLang="zh-CN" sz="1800" dirty="0">
+              <a:solidFill>
+                <a:srgbClr val="262626"/>
+              </a:solidFill>
+            </a:endParaRPr>
+          </a:p>
+        </p:txBody>
+      </p:sp>
+    </p:spTree>
+  </p:cSld>
+  <p:clrMapOvr>
+    <a:masterClrMapping/>
+  </p:clrMapOvr>
+</p:sld>
+</file>
+
+<file path=ppt/slides/slide15.xml><?xml version="1.0" encoding="utf-8"?>
+<p:sld xmlns:a="http://schemas.openxmlformats.org/drawingml/2006/main" xmlns:r="http://schemas.openxmlformats.org/officeDocument/2006/relationships" xmlns:p="http://schemas.openxmlformats.org/presentationml/2006/main">
+  <p:cSld>
+    <p:spTree>
+      <p:nvGrpSpPr>
+        <p:cNvPr id="1" name=""/>
+        <p:cNvGrpSpPr/>
+        <p:nvPr/>
+      </p:nvGrpSpPr>
+      <p:grpSpPr>
+        <a:xfrm>
+          <a:off x="0" y="0"/>
+          <a:ext cx="0" cy="0"/>
+          <a:chOff x="0" y="0"/>
+          <a:chExt cx="0" cy="0"/>
+        </a:xfrm>
+      </p:grpSpPr>
+      <p:sp>
+        <p:nvSpPr>
+          <p:cNvPr id="2" name="Title 1"/>
+          <p:cNvSpPr>
+            <a:spLocks noGrp="1"/>
+          </p:cNvSpPr>
+          <p:nvPr>
+            <p:ph type="title"/>
+          </p:nvPr>
+        </p:nvSpPr>
+        <p:spPr>
+          <a:xfrm>
+            <a:off x="628650" y="155263"/>
+            <a:ext cx="7886700" cy="526790"/>
+          </a:xfrm>
+        </p:spPr>
+        <p:txBody>
+          <a:bodyPr>
+            <a:normAutofit fontScale="90000"/>
+          </a:bodyPr>
+          <a:lstStyle/>
+          <a:p>
+            <a:pPr algn="ctr"/>
+            <a:r>
+              <a:rPr lang="en-US" sz="3200" b="1" dirty="0">
+                <a:latin typeface="Calibri" panose="020F0502020204030204" pitchFamily="34" charset="0"/>
+                <a:cs typeface="Calibri" panose="020F0502020204030204" pitchFamily="34" charset="0"/>
+              </a:rPr>
+              <a:t>Context</a:t>
+            </a:r>
+            <a:endParaRPr lang="en-US" sz="3200" b="1" dirty="0">
+              <a:latin typeface="Calibri" panose="020F0502020204030204" pitchFamily="34" charset="0"/>
+              <a:cs typeface="Calibri" panose="020F0502020204030204" pitchFamily="34" charset="0"/>
+            </a:endParaRPr>
+          </a:p>
+        </p:txBody>
+      </p:sp>
+      <p:sp>
+        <p:nvSpPr>
+          <p:cNvPr id="5" name="Content Placeholder 2"/>
+          <p:cNvSpPr>
+            <a:spLocks noGrp="1"/>
+          </p:cNvSpPr>
+          <p:nvPr>
+            <p:ph idx="1"/>
+          </p:nvPr>
+        </p:nvSpPr>
+        <p:spPr>
+          <a:xfrm>
+            <a:off x="628650" y="989044"/>
+            <a:ext cx="7886700" cy="5605719"/>
+          </a:xfrm>
+        </p:spPr>
+        <p:txBody>
+          <a:bodyPr>
+            <a:normAutofit/>
+          </a:bodyPr>
+          <a:p>
+            <a:pPr defTabSz="342900">
+              <a:lnSpc>
+                <a:spcPct val="120000"/>
+              </a:lnSpc>
+            </a:pPr>
+            <a:r>
+              <a:rPr lang="en-US" altLang="zh-CN" sz="1800" dirty="0">
+                <a:solidFill>
+                  <a:srgbClr val="262626"/>
+                </a:solidFill>
+              </a:rPr>
+              <a:t>Implimentation 2</a:t>
+            </a:r>
+            <a:endParaRPr lang="en-US" altLang="zh-CN" sz="1800" dirty="0">
+              <a:solidFill>
+                <a:srgbClr val="262626"/>
+              </a:solidFill>
+            </a:endParaRPr>
+          </a:p>
+        </p:txBody>
+      </p:sp>
+      <p:pic>
+        <p:nvPicPr>
+          <p:cNvPr id="9" name="图片 8"/>
+          <p:cNvPicPr>
+            <a:picLocks noChangeAspect="1"/>
+          </p:cNvPicPr>
+          <p:nvPr/>
+        </p:nvPicPr>
+        <p:blipFill>
+          <a:blip r:embed="rId1"/>
+          <a:stretch>
+            <a:fillRect/>
+          </a:stretch>
+        </p:blipFill>
+        <p:spPr>
+          <a:xfrm>
+            <a:off x="628650" y="1647190"/>
+            <a:ext cx="8178800" cy="4737100"/>
+          </a:xfrm>
+          <a:prstGeom prst="rect">
+            <a:avLst/>
+          </a:prstGeom>
+        </p:spPr>
+      </p:pic>
+    </p:spTree>
+  </p:cSld>
+  <p:clrMapOvr>
+    <a:masterClrMapping/>
+  </p:clrMapOvr>
+</p:sld>
+</file>
+
+<file path=ppt/slides/slide16.xml><?xml version="1.0" encoding="utf-8"?>
+<p:sld xmlns:a="http://schemas.openxmlformats.org/drawingml/2006/main" xmlns:r="http://schemas.openxmlformats.org/officeDocument/2006/relationships" xmlns:p="http://schemas.openxmlformats.org/presentationml/2006/main">
+  <p:cSld>
+    <p:spTree>
+      <p:nvGrpSpPr>
+        <p:cNvPr id="1" name=""/>
+        <p:cNvGrpSpPr/>
+        <p:nvPr/>
+      </p:nvGrpSpPr>
+      <p:grpSpPr>
+        <a:xfrm>
+          <a:off x="0" y="0"/>
+          <a:ext cx="0" cy="0"/>
+          <a:chOff x="0" y="0"/>
+          <a:chExt cx="0" cy="0"/>
+        </a:xfrm>
+      </p:grpSpPr>
+      <p:sp>
+        <p:nvSpPr>
+          <p:cNvPr id="2" name="Title 1"/>
+          <p:cNvSpPr>
+            <a:spLocks noGrp="1"/>
+          </p:cNvSpPr>
+          <p:nvPr>
+            <p:ph type="title"/>
+          </p:nvPr>
+        </p:nvSpPr>
+        <p:spPr>
+          <a:xfrm>
+            <a:off x="628650" y="155263"/>
+            <a:ext cx="7886700" cy="526790"/>
+          </a:xfrm>
+        </p:spPr>
+        <p:txBody>
+          <a:bodyPr>
+            <a:normAutofit fontScale="90000"/>
+          </a:bodyPr>
+          <a:lstStyle/>
+          <a:p>
+            <a:pPr algn="ctr"/>
+            <a:r>
+              <a:rPr lang="en-US" sz="3200" b="1" dirty="0">
+                <a:latin typeface="Calibri" panose="020F0502020204030204" pitchFamily="34" charset="0"/>
+                <a:cs typeface="Calibri" panose="020F0502020204030204" pitchFamily="34" charset="0"/>
+              </a:rPr>
+              <a:t>Context</a:t>
+            </a:r>
+            <a:endParaRPr lang="en-US" sz="3200" b="1" dirty="0">
+              <a:latin typeface="Calibri" panose="020F0502020204030204" pitchFamily="34" charset="0"/>
+              <a:cs typeface="Calibri" panose="020F0502020204030204" pitchFamily="34" charset="0"/>
+            </a:endParaRPr>
+          </a:p>
+        </p:txBody>
+      </p:sp>
+      <p:sp>
+        <p:nvSpPr>
+          <p:cNvPr id="5" name="Content Placeholder 2"/>
+          <p:cNvSpPr>
+            <a:spLocks noGrp="1"/>
+          </p:cNvSpPr>
+          <p:nvPr>
+            <p:ph idx="1"/>
+          </p:nvPr>
+        </p:nvSpPr>
+        <p:spPr>
+          <a:xfrm>
+            <a:off x="628650" y="989044"/>
+            <a:ext cx="7886700" cy="5605719"/>
+          </a:xfrm>
+        </p:spPr>
+        <p:txBody>
+          <a:bodyPr>
+            <a:normAutofit/>
+          </a:bodyPr>
+          <a:p>
+            <a:pPr defTabSz="342900">
+              <a:lnSpc>
+                <a:spcPct val="120000"/>
+              </a:lnSpc>
+            </a:pPr>
+            <a:r>
+              <a:rPr lang="en-US" altLang="zh-CN" sz="1800" dirty="0">
+                <a:solidFill>
+                  <a:srgbClr val="262626"/>
+                </a:solidFill>
+              </a:rPr>
+              <a:t>Implimentation 3</a:t>
+            </a:r>
+            <a:endParaRPr lang="en-US" altLang="zh-CN" sz="1800" dirty="0">
+              <a:solidFill>
+                <a:srgbClr val="262626"/>
+              </a:solidFill>
+            </a:endParaRPr>
+          </a:p>
+        </p:txBody>
+      </p:sp>
+      <p:pic>
+        <p:nvPicPr>
+          <p:cNvPr id="3" name="图片 2"/>
+          <p:cNvPicPr>
+            <a:picLocks noChangeAspect="1"/>
+          </p:cNvPicPr>
+          <p:nvPr/>
+        </p:nvPicPr>
+        <p:blipFill>
+          <a:blip r:embed="rId1"/>
+          <a:stretch>
+            <a:fillRect/>
+          </a:stretch>
+        </p:blipFill>
+        <p:spPr>
+          <a:xfrm>
+            <a:off x="628650" y="1780540"/>
+            <a:ext cx="6675120" cy="4043680"/>
+          </a:xfrm>
+          <a:prstGeom prst="rect">
+            <a:avLst/>
+          </a:prstGeom>
+        </p:spPr>
+      </p:pic>
+    </p:spTree>
+  </p:cSld>
+  <p:clrMapOvr>
+    <a:masterClrMapping/>
+  </p:clrMapOvr>
+</p:sld>
+</file>
+
+<file path=ppt/slides/slide17.xml><?xml version="1.0" encoding="utf-8"?>
+<p:sld xmlns:a="http://schemas.openxmlformats.org/drawingml/2006/main" xmlns:r="http://schemas.openxmlformats.org/officeDocument/2006/relationships" xmlns:p="http://schemas.openxmlformats.org/presentationml/2006/main">
+  <p:cSld>
+    <p:spTree>
+      <p:nvGrpSpPr>
+        <p:cNvPr id="1" name=""/>
+        <p:cNvGrpSpPr/>
+        <p:nvPr/>
+      </p:nvGrpSpPr>
+      <p:grpSpPr>
+        <a:xfrm>
+          <a:off x="0" y="0"/>
+          <a:ext cx="0" cy="0"/>
+          <a:chOff x="0" y="0"/>
+          <a:chExt cx="0" cy="0"/>
+        </a:xfrm>
+      </p:grpSpPr>
+      <p:sp>
+        <p:nvSpPr>
+          <p:cNvPr id="2" name="Title 1"/>
+          <p:cNvSpPr>
+            <a:spLocks noGrp="1"/>
+          </p:cNvSpPr>
+          <p:nvPr>
+            <p:ph type="title"/>
+          </p:nvPr>
+        </p:nvSpPr>
+        <p:spPr>
+          <a:xfrm>
+            <a:off x="628650" y="155263"/>
+            <a:ext cx="7886700" cy="526790"/>
+          </a:xfrm>
+        </p:spPr>
+        <p:txBody>
+          <a:bodyPr>
+            <a:normAutofit fontScale="90000"/>
+          </a:bodyPr>
+          <a:lstStyle/>
+          <a:p>
+            <a:pPr algn="ctr"/>
+            <a:r>
+              <a:rPr lang="en-US" sz="3200" b="1" dirty="0">
+                <a:latin typeface="Calibri" panose="020F0502020204030204" pitchFamily="34" charset="0"/>
+                <a:cs typeface="Calibri" panose="020F0502020204030204" pitchFamily="34" charset="0"/>
+              </a:rPr>
+              <a:t>Functional Component vs Class Component</a:t>
+            </a:r>
+            <a:endParaRPr lang="en-US" sz="3200" b="1" dirty="0">
+              <a:latin typeface="Calibri" panose="020F0502020204030204" pitchFamily="34" charset="0"/>
+              <a:cs typeface="Calibri" panose="020F0502020204030204" pitchFamily="34" charset="0"/>
+            </a:endParaRPr>
+          </a:p>
+        </p:txBody>
+      </p:sp>
+      <p:sp>
+        <p:nvSpPr>
+          <p:cNvPr id="3" name="Content Placeholder 2"/>
+          <p:cNvSpPr>
+            <a:spLocks noGrp="1"/>
+          </p:cNvSpPr>
+          <p:nvPr>
+            <p:ph idx="1"/>
+          </p:nvPr>
+        </p:nvSpPr>
+        <p:spPr>
+          <a:xfrm>
+            <a:off x="628650" y="989044"/>
+            <a:ext cx="7886700" cy="5605719"/>
+          </a:xfrm>
+        </p:spPr>
+        <p:txBody>
+          <a:bodyPr>
+            <a:normAutofit/>
+          </a:bodyPr>
+          <a:lstStyle/>
+          <a:p>
+            <a:pPr defTabSz="342900">
+              <a:lnSpc>
+                <a:spcPct val="120000"/>
+              </a:lnSpc>
+            </a:pPr>
+            <a:r>
+              <a:rPr lang="en-US" altLang="zh-CN" sz="1800" dirty="0">
+                <a:solidFill>
+                  <a:srgbClr val="262626"/>
+                </a:solidFill>
+              </a:rPr>
+              <a:t>1 State</a:t>
+            </a:r>
+            <a:endParaRPr lang="en-US" altLang="zh-CN" sz="1800" dirty="0">
+              <a:solidFill>
+                <a:srgbClr val="262626"/>
+              </a:solidFill>
+            </a:endParaRPr>
+          </a:p>
+          <a:p>
+            <a:pPr defTabSz="342900">
+              <a:lnSpc>
+                <a:spcPct val="120000"/>
+              </a:lnSpc>
+            </a:pPr>
+            <a:endParaRPr lang="en-US" altLang="zh-CN" sz="1800" dirty="0">
+              <a:solidFill>
+                <a:srgbClr val="262626"/>
+              </a:solidFill>
+            </a:endParaRPr>
+          </a:p>
+          <a:p>
+            <a:pPr defTabSz="342900">
+              <a:lnSpc>
+                <a:spcPct val="120000"/>
+              </a:lnSpc>
+            </a:pPr>
+            <a:endParaRPr lang="en-US" altLang="zh-CN" sz="1800" dirty="0">
+              <a:solidFill>
+                <a:srgbClr val="262626"/>
+              </a:solidFill>
+            </a:endParaRPr>
+          </a:p>
+          <a:p>
+            <a:pPr defTabSz="342900">
+              <a:lnSpc>
+                <a:spcPct val="120000"/>
+              </a:lnSpc>
+            </a:pPr>
+            <a:endParaRPr lang="en-US" altLang="zh-CN" sz="1800" dirty="0">
+              <a:solidFill>
+                <a:srgbClr val="262626"/>
+              </a:solidFill>
+            </a:endParaRPr>
+          </a:p>
+          <a:p>
+            <a:pPr defTabSz="342900">
+              <a:lnSpc>
+                <a:spcPct val="120000"/>
+              </a:lnSpc>
+            </a:pPr>
+            <a:endParaRPr lang="en-US" altLang="zh-CN" sz="1800" dirty="0">
+              <a:solidFill>
+                <a:srgbClr val="262626"/>
+              </a:solidFill>
+            </a:endParaRPr>
+          </a:p>
+          <a:p>
+            <a:pPr defTabSz="342900">
+              <a:lnSpc>
+                <a:spcPct val="120000"/>
+              </a:lnSpc>
+            </a:pPr>
+            <a:r>
+              <a:rPr lang="en-US" altLang="zh-CN" sz="1800" dirty="0">
+                <a:solidFill>
+                  <a:srgbClr val="262626"/>
+                </a:solidFill>
+              </a:rPr>
+              <a:t>2 setState</a:t>
+            </a:r>
+            <a:endParaRPr lang="en-US" altLang="zh-CN" sz="1800" dirty="0">
+              <a:solidFill>
+                <a:srgbClr val="262626"/>
+              </a:solidFill>
+            </a:endParaRPr>
+          </a:p>
+          <a:p>
+            <a:pPr defTabSz="342900">
+              <a:lnSpc>
+                <a:spcPct val="120000"/>
+              </a:lnSpc>
+            </a:pPr>
+            <a:endParaRPr lang="en-US" altLang="zh-CN" sz="1800" dirty="0">
+              <a:solidFill>
+                <a:srgbClr val="262626"/>
+              </a:solidFill>
+            </a:endParaRPr>
+          </a:p>
+          <a:p>
+            <a:pPr defTabSz="342900">
+              <a:lnSpc>
+                <a:spcPct val="120000"/>
+              </a:lnSpc>
+            </a:pPr>
+            <a:endParaRPr lang="en-US" altLang="zh-CN" sz="1800" dirty="0">
+              <a:solidFill>
+                <a:srgbClr val="262626"/>
+              </a:solidFill>
+            </a:endParaRPr>
+          </a:p>
+        </p:txBody>
+      </p:sp>
+      <p:pic>
+        <p:nvPicPr>
+          <p:cNvPr id="4" name="图片 3"/>
+          <p:cNvPicPr>
+            <a:picLocks noChangeAspect="1"/>
+          </p:cNvPicPr>
+          <p:nvPr/>
+        </p:nvPicPr>
+        <p:blipFill>
+          <a:blip r:embed="rId1"/>
+          <a:stretch>
+            <a:fillRect/>
+          </a:stretch>
+        </p:blipFill>
+        <p:spPr>
+          <a:xfrm>
+            <a:off x="628650" y="1638935"/>
+            <a:ext cx="3190875" cy="1123950"/>
+          </a:xfrm>
+          <a:prstGeom prst="rect">
+            <a:avLst/>
+          </a:prstGeom>
+        </p:spPr>
+      </p:pic>
+      <p:pic>
+        <p:nvPicPr>
+          <p:cNvPr id="5" name="图片 4"/>
+          <p:cNvPicPr>
+            <a:picLocks noChangeAspect="1"/>
+          </p:cNvPicPr>
+          <p:nvPr/>
+        </p:nvPicPr>
+        <p:blipFill>
+          <a:blip r:embed="rId2"/>
+          <a:stretch>
+            <a:fillRect/>
+          </a:stretch>
+        </p:blipFill>
+        <p:spPr>
+          <a:xfrm>
+            <a:off x="4114800" y="1762760"/>
+            <a:ext cx="4400550" cy="876300"/>
+          </a:xfrm>
+          <a:prstGeom prst="rect">
+            <a:avLst/>
+          </a:prstGeom>
+        </p:spPr>
+      </p:pic>
+      <p:pic>
+        <p:nvPicPr>
+          <p:cNvPr id="6" name="图片 5"/>
+          <p:cNvPicPr>
+            <a:picLocks noChangeAspect="1"/>
+          </p:cNvPicPr>
+          <p:nvPr/>
+        </p:nvPicPr>
+        <p:blipFill>
+          <a:blip r:embed="rId3"/>
+          <a:stretch>
+            <a:fillRect/>
+          </a:stretch>
+        </p:blipFill>
+        <p:spPr>
+          <a:xfrm>
+            <a:off x="628650" y="3916680"/>
+            <a:ext cx="3867150" cy="971550"/>
+          </a:xfrm>
+          <a:prstGeom prst="rect">
+            <a:avLst/>
+          </a:prstGeom>
+        </p:spPr>
+      </p:pic>
+      <p:pic>
+        <p:nvPicPr>
+          <p:cNvPr id="7" name="图片 6"/>
+          <p:cNvPicPr>
+            <a:picLocks noChangeAspect="1"/>
+          </p:cNvPicPr>
+          <p:nvPr/>
+        </p:nvPicPr>
+        <p:blipFill>
+          <a:blip r:embed="rId4"/>
+          <a:stretch>
+            <a:fillRect/>
+          </a:stretch>
+        </p:blipFill>
+        <p:spPr>
+          <a:xfrm>
+            <a:off x="5032375" y="3728720"/>
+            <a:ext cx="4019550" cy="2505075"/>
+          </a:xfrm>
+          <a:prstGeom prst="rect">
+            <a:avLst/>
+          </a:prstGeom>
+        </p:spPr>
+      </p:pic>
+    </p:spTree>
+  </p:cSld>
+  <p:clrMapOvr>
+    <a:masterClrMapping/>
+  </p:clrMapOvr>
+</p:sld>
+</file>
+
+<file path=ppt/slides/slide18.xml><?xml version="1.0" encoding="utf-8"?>
+<p:sld xmlns:a="http://schemas.openxmlformats.org/drawingml/2006/main" xmlns:r="http://schemas.openxmlformats.org/officeDocument/2006/relationships" xmlns:p="http://schemas.openxmlformats.org/presentationml/2006/main">
+  <p:cSld>
+    <p:spTree>
+      <p:nvGrpSpPr>
+        <p:cNvPr id="1" name=""/>
+        <p:cNvGrpSpPr/>
+        <p:nvPr/>
+      </p:nvGrpSpPr>
+      <p:grpSpPr>
+        <a:xfrm>
+          <a:off x="0" y="0"/>
+          <a:ext cx="0" cy="0"/>
+          <a:chOff x="0" y="0"/>
+          <a:chExt cx="0" cy="0"/>
+        </a:xfrm>
+      </p:grpSpPr>
+      <p:sp>
+        <p:nvSpPr>
+          <p:cNvPr id="2" name="Title 1"/>
+          <p:cNvSpPr>
+            <a:spLocks noGrp="1"/>
+          </p:cNvSpPr>
+          <p:nvPr>
+            <p:ph type="title"/>
+          </p:nvPr>
+        </p:nvSpPr>
+        <p:spPr>
+          <a:xfrm>
+            <a:off x="628650" y="155263"/>
+            <a:ext cx="7886700" cy="526790"/>
+          </a:xfrm>
+        </p:spPr>
+        <p:txBody>
+          <a:bodyPr>
+            <a:normAutofit fontScale="90000"/>
+          </a:bodyPr>
+          <a:lstStyle/>
+          <a:p>
+            <a:pPr algn="ctr"/>
+            <a:r>
+              <a:rPr lang="en-US" sz="3200" b="1" dirty="0">
+                <a:latin typeface="Calibri" panose="020F0502020204030204" pitchFamily="34" charset="0"/>
+                <a:cs typeface="Calibri" panose="020F0502020204030204" pitchFamily="34" charset="0"/>
+              </a:rPr>
+              <a:t>Functional Component vs Class Component</a:t>
+            </a:r>
+            <a:endParaRPr lang="en-US" sz="3200" b="1" dirty="0">
+              <a:latin typeface="Calibri" panose="020F0502020204030204" pitchFamily="34" charset="0"/>
+              <a:cs typeface="Calibri" panose="020F0502020204030204" pitchFamily="34" charset="0"/>
+            </a:endParaRPr>
+          </a:p>
+        </p:txBody>
+      </p:sp>
+      <p:sp>
+        <p:nvSpPr>
+          <p:cNvPr id="3" name="Content Placeholder 2"/>
+          <p:cNvSpPr>
+            <a:spLocks noGrp="1"/>
+          </p:cNvSpPr>
+          <p:nvPr>
+            <p:ph idx="1"/>
+          </p:nvPr>
+        </p:nvSpPr>
+        <p:spPr>
+          <a:xfrm>
+            <a:off x="628650" y="989044"/>
+            <a:ext cx="7886700" cy="5605719"/>
+          </a:xfrm>
+        </p:spPr>
+        <p:txBody>
+          <a:bodyPr>
+            <a:normAutofit/>
+          </a:bodyPr>
+          <a:lstStyle/>
+          <a:p>
+            <a:pPr defTabSz="342900">
+              <a:lnSpc>
+                <a:spcPct val="120000"/>
+              </a:lnSpc>
+            </a:pPr>
+            <a:r>
+              <a:rPr lang="en-US" altLang="zh-CN" sz="1800" dirty="0">
+                <a:solidFill>
+                  <a:srgbClr val="262626"/>
+                </a:solidFill>
+              </a:rPr>
+              <a:t>3 componentDidMount vs useEffect</a:t>
+            </a:r>
+            <a:endParaRPr lang="en-US" altLang="zh-CN" sz="1800" dirty="0">
+              <a:solidFill>
+                <a:srgbClr val="262626"/>
+              </a:solidFill>
+            </a:endParaRPr>
+          </a:p>
+          <a:p>
+            <a:pPr defTabSz="342900">
+              <a:lnSpc>
+                <a:spcPct val="120000"/>
+              </a:lnSpc>
+            </a:pPr>
+            <a:endParaRPr lang="en-US" altLang="zh-CN" sz="1800" dirty="0">
+              <a:solidFill>
+                <a:srgbClr val="262626"/>
+              </a:solidFill>
+            </a:endParaRPr>
+          </a:p>
+          <a:p>
+            <a:pPr defTabSz="342900">
+              <a:lnSpc>
+                <a:spcPct val="120000"/>
+              </a:lnSpc>
+            </a:pPr>
+            <a:endParaRPr lang="en-US" altLang="zh-CN" sz="1800" dirty="0">
+              <a:solidFill>
+                <a:srgbClr val="262626"/>
+              </a:solidFill>
+            </a:endParaRPr>
+          </a:p>
+          <a:p>
+            <a:pPr defTabSz="342900">
+              <a:lnSpc>
+                <a:spcPct val="120000"/>
+              </a:lnSpc>
+            </a:pPr>
+            <a:endParaRPr lang="en-US" altLang="zh-CN" sz="1800" dirty="0">
+              <a:solidFill>
+                <a:srgbClr val="262626"/>
+              </a:solidFill>
+            </a:endParaRPr>
+          </a:p>
+          <a:p>
+            <a:pPr defTabSz="342900">
+              <a:lnSpc>
+                <a:spcPct val="120000"/>
+              </a:lnSpc>
+            </a:pPr>
+            <a:endParaRPr lang="en-US" altLang="zh-CN" sz="1800" dirty="0">
+              <a:solidFill>
+                <a:srgbClr val="262626"/>
+              </a:solidFill>
+            </a:endParaRPr>
+          </a:p>
+          <a:p>
+            <a:pPr defTabSz="342900">
+              <a:lnSpc>
+                <a:spcPct val="120000"/>
+              </a:lnSpc>
+            </a:pPr>
+            <a:endParaRPr lang="en-US" altLang="zh-CN" sz="1800" dirty="0">
+              <a:solidFill>
+                <a:srgbClr val="262626"/>
+              </a:solidFill>
+            </a:endParaRPr>
+          </a:p>
+          <a:p>
+            <a:pPr defTabSz="342900">
+              <a:lnSpc>
+                <a:spcPct val="120000"/>
+              </a:lnSpc>
+            </a:pPr>
+            <a:r>
+              <a:rPr lang="en-US" altLang="zh-CN" sz="1800" dirty="0">
+                <a:solidFill>
+                  <a:srgbClr val="262626"/>
+                </a:solidFill>
+              </a:rPr>
+              <a:t>2 setState</a:t>
+            </a:r>
+            <a:endParaRPr lang="en-US" altLang="zh-CN" sz="1800" dirty="0">
+              <a:solidFill>
+                <a:srgbClr val="262626"/>
+              </a:solidFill>
+            </a:endParaRPr>
+          </a:p>
+          <a:p>
+            <a:pPr defTabSz="342900">
+              <a:lnSpc>
+                <a:spcPct val="120000"/>
+              </a:lnSpc>
+            </a:pPr>
+            <a:endParaRPr lang="en-US" altLang="zh-CN" sz="1800" dirty="0">
+              <a:solidFill>
+                <a:srgbClr val="262626"/>
+              </a:solidFill>
+            </a:endParaRPr>
+          </a:p>
+          <a:p>
+            <a:pPr defTabSz="342900">
+              <a:lnSpc>
+                <a:spcPct val="120000"/>
+              </a:lnSpc>
+            </a:pPr>
+            <a:endParaRPr lang="en-US" altLang="zh-CN" sz="1800" dirty="0">
+              <a:solidFill>
+                <a:srgbClr val="262626"/>
+              </a:solidFill>
+            </a:endParaRPr>
+          </a:p>
+        </p:txBody>
+      </p:sp>
+    </p:spTree>
+  </p:cSld>
+  <p:clrMapOvr>
+    <a:masterClrMapping/>
+  </p:clrMapOvr>
+</p:sld>
+</file>
+
+<file path=ppt/slides/slide19.xml><?xml version="1.0" encoding="utf-8"?>
+<p:sld xmlns:a="http://schemas.openxmlformats.org/drawingml/2006/main" xmlns:r="http://schemas.openxmlformats.org/officeDocument/2006/relationships" xmlns:p="http://schemas.openxmlformats.org/presentationml/2006/main">
+  <p:cSld>
+    <p:spTree>
+      <p:nvGrpSpPr>
+        <p:cNvPr id="1" name=""/>
+        <p:cNvGrpSpPr/>
+        <p:nvPr/>
+      </p:nvGrpSpPr>
+      <p:grpSpPr>
+        <a:xfrm>
+          <a:off x="0" y="0"/>
+          <a:ext cx="0" cy="0"/>
+          <a:chOff x="0" y="0"/>
+          <a:chExt cx="0" cy="0"/>
+        </a:xfrm>
+      </p:grpSpPr>
+      <p:sp>
+        <p:nvSpPr>
+          <p:cNvPr id="2" name="Title 1"/>
+          <p:cNvSpPr>
+            <a:spLocks noGrp="1"/>
+          </p:cNvSpPr>
+          <p:nvPr>
+            <p:ph type="title"/>
+          </p:nvPr>
+        </p:nvSpPr>
+        <p:spPr>
+          <a:xfrm>
+            <a:off x="628650" y="155263"/>
+            <a:ext cx="7886700" cy="526790"/>
+          </a:xfrm>
+        </p:spPr>
+        <p:txBody>
+          <a:bodyPr>
+            <a:normAutofit fontScale="90000"/>
+          </a:bodyPr>
+          <a:lstStyle/>
+          <a:p>
+            <a:pPr algn="ctr"/>
+            <a:r>
+              <a:rPr lang="en-US" sz="3200" b="1" dirty="0">
+                <a:latin typeface="Calibri" panose="020F0502020204030204" pitchFamily="34" charset="0"/>
+                <a:cs typeface="Calibri" panose="020F0502020204030204" pitchFamily="34" charset="0"/>
+              </a:rPr>
+              <a:t>Forms in Reactjs</a:t>
+            </a:r>
+            <a:endParaRPr lang="en-US" sz="3200" b="1" dirty="0">
+              <a:latin typeface="Calibri" panose="020F0502020204030204" pitchFamily="34" charset="0"/>
+              <a:cs typeface="Calibri" panose="020F0502020204030204" pitchFamily="34" charset="0"/>
+            </a:endParaRPr>
+          </a:p>
+        </p:txBody>
+      </p:sp>
+      <p:sp>
+        <p:nvSpPr>
+          <p:cNvPr id="3" name="Content Placeholder 2"/>
+          <p:cNvSpPr>
+            <a:spLocks noGrp="1"/>
+          </p:cNvSpPr>
+          <p:nvPr>
+            <p:ph idx="1"/>
+          </p:nvPr>
+        </p:nvSpPr>
+        <p:spPr>
+          <a:xfrm>
+            <a:off x="628650" y="989044"/>
+            <a:ext cx="7886700" cy="5605719"/>
+          </a:xfrm>
+        </p:spPr>
+        <p:txBody>
+          <a:bodyPr>
+            <a:normAutofit/>
+          </a:bodyPr>
+          <a:lstStyle/>
+          <a:p>
+            <a:pPr defTabSz="342900">
+              <a:lnSpc>
+                <a:spcPct val="120000"/>
+              </a:lnSpc>
+            </a:pPr>
+            <a:r>
+              <a:rPr lang="en-US" altLang="zh-CN" sz="1800" dirty="0">
+                <a:solidFill>
+                  <a:srgbClr val="262626"/>
+                </a:solidFill>
+              </a:rPr>
+              <a:t>Use buildin event handler</a:t>
+            </a:r>
+            <a:endParaRPr lang="en-US" altLang="zh-CN" sz="1800" dirty="0">
+              <a:solidFill>
+                <a:srgbClr val="262626"/>
+              </a:solidFill>
+            </a:endParaRPr>
+          </a:p>
+          <a:p>
+            <a:pPr defTabSz="342900">
+              <a:lnSpc>
+                <a:spcPct val="120000"/>
+              </a:lnSpc>
+            </a:pPr>
+            <a:endParaRPr lang="en-US" altLang="zh-CN" sz="1800" dirty="0">
+              <a:solidFill>
+                <a:srgbClr val="262626"/>
+              </a:solidFill>
+            </a:endParaRPr>
+          </a:p>
+          <a:p>
+            <a:pPr defTabSz="342900">
+              <a:lnSpc>
+                <a:spcPct val="120000"/>
+              </a:lnSpc>
+            </a:pPr>
+            <a:endParaRPr lang="en-US" altLang="zh-CN" sz="1800" dirty="0">
+              <a:solidFill>
+                <a:srgbClr val="262626"/>
+              </a:solidFill>
+            </a:endParaRPr>
+          </a:p>
+          <a:p>
+            <a:pPr defTabSz="342900">
+              <a:lnSpc>
+                <a:spcPct val="120000"/>
+              </a:lnSpc>
+            </a:pPr>
+            <a:endParaRPr lang="en-US" altLang="zh-CN" sz="1800" dirty="0">
+              <a:solidFill>
+                <a:srgbClr val="262626"/>
+              </a:solidFill>
+            </a:endParaRPr>
+          </a:p>
+          <a:p>
+            <a:pPr defTabSz="342900">
+              <a:lnSpc>
+                <a:spcPct val="120000"/>
+              </a:lnSpc>
+            </a:pPr>
+            <a:endParaRPr lang="en-US" altLang="zh-CN" sz="1800" dirty="0">
+              <a:solidFill>
+                <a:srgbClr val="262626"/>
+              </a:solidFill>
+            </a:endParaRPr>
+          </a:p>
+          <a:p>
+            <a:pPr defTabSz="342900">
+              <a:lnSpc>
+                <a:spcPct val="120000"/>
+              </a:lnSpc>
+            </a:pPr>
+            <a:endParaRPr lang="en-US" altLang="zh-CN" sz="1800" dirty="0">
+              <a:solidFill>
+                <a:srgbClr val="262626"/>
+              </a:solidFill>
+            </a:endParaRPr>
+          </a:p>
+          <a:p>
+            <a:pPr defTabSz="342900">
+              <a:lnSpc>
+                <a:spcPct val="120000"/>
+              </a:lnSpc>
+            </a:pPr>
+            <a:r>
+              <a:rPr lang="en-US" altLang="zh-CN" sz="1800" dirty="0">
+                <a:solidFill>
+                  <a:srgbClr val="262626"/>
+                </a:solidFill>
+              </a:rPr>
+              <a:t>Features:</a:t>
+            </a:r>
+            <a:endParaRPr lang="en-US" altLang="zh-CN" sz="1800" dirty="0">
+              <a:solidFill>
+                <a:srgbClr val="262626"/>
+              </a:solidFill>
+            </a:endParaRPr>
+          </a:p>
+          <a:p>
+            <a:pPr defTabSz="342900">
+              <a:lnSpc>
+                <a:spcPct val="120000"/>
+              </a:lnSpc>
+            </a:pPr>
+            <a:r>
+              <a:rPr lang="en-US" altLang="zh-CN" sz="1800" dirty="0">
+                <a:solidFill>
+                  <a:srgbClr val="262626"/>
+                </a:solidFill>
+              </a:rPr>
+              <a:t>every input will invoke the event handler function</a:t>
+            </a:r>
+            <a:endParaRPr lang="en-US" altLang="zh-CN" sz="1800" dirty="0">
+              <a:solidFill>
+                <a:srgbClr val="262626"/>
+              </a:solidFill>
+            </a:endParaRPr>
+          </a:p>
+          <a:p>
+            <a:pPr defTabSz="342900">
+              <a:lnSpc>
+                <a:spcPct val="120000"/>
+              </a:lnSpc>
+            </a:pPr>
+            <a:endParaRPr lang="en-US" altLang="zh-CN" sz="1800" dirty="0">
+              <a:solidFill>
+                <a:srgbClr val="262626"/>
+              </a:solidFill>
+            </a:endParaRPr>
+          </a:p>
+          <a:p>
+            <a:pPr defTabSz="342900">
+              <a:lnSpc>
+                <a:spcPct val="120000"/>
+              </a:lnSpc>
+            </a:pPr>
+            <a:r>
+              <a:rPr lang="en-US" altLang="zh-CN" sz="1800" dirty="0">
+                <a:solidFill>
+                  <a:srgbClr val="262626"/>
+                </a:solidFill>
+              </a:rPr>
+              <a:t>preventDefault</a:t>
+            </a:r>
+            <a:endParaRPr lang="en-US" altLang="zh-CN" sz="1800" dirty="0">
+              <a:solidFill>
+                <a:srgbClr val="262626"/>
+              </a:solidFill>
+            </a:endParaRPr>
+          </a:p>
+          <a:p>
+            <a:pPr defTabSz="342900">
+              <a:lnSpc>
+                <a:spcPct val="120000"/>
+              </a:lnSpc>
+            </a:pPr>
+            <a:endParaRPr lang="en-US" altLang="zh-CN" sz="1800" dirty="0">
+              <a:solidFill>
+                <a:srgbClr val="262626"/>
+              </a:solidFill>
+            </a:endParaRPr>
+          </a:p>
+        </p:txBody>
+      </p:sp>
+      <p:pic>
+        <p:nvPicPr>
+          <p:cNvPr id="4" name="图片 3"/>
+          <p:cNvPicPr>
+            <a:picLocks noChangeAspect="1"/>
+          </p:cNvPicPr>
+          <p:nvPr/>
+        </p:nvPicPr>
+        <p:blipFill>
+          <a:blip r:embed="rId1"/>
+          <a:stretch>
+            <a:fillRect/>
+          </a:stretch>
+        </p:blipFill>
+        <p:spPr>
+          <a:xfrm>
+            <a:off x="628650" y="1550035"/>
+            <a:ext cx="6867525" cy="1924050"/>
+          </a:xfrm>
+          <a:prstGeom prst="rect">
+            <a:avLst/>
+          </a:prstGeom>
+        </p:spPr>
+      </p:pic>
+      <p:pic>
+        <p:nvPicPr>
+          <p:cNvPr id="5" name="图片 4"/>
+          <p:cNvPicPr>
+            <a:picLocks noChangeAspect="1"/>
+          </p:cNvPicPr>
+          <p:nvPr/>
+        </p:nvPicPr>
+        <p:blipFill>
+          <a:blip r:embed="rId2"/>
+          <a:stretch>
+            <a:fillRect/>
+          </a:stretch>
+        </p:blipFill>
+        <p:spPr>
+          <a:xfrm>
+            <a:off x="628650" y="5671185"/>
+            <a:ext cx="3838575" cy="923925"/>
+          </a:xfrm>
+          <a:prstGeom prst="rect">
+            <a:avLst/>
+          </a:prstGeom>
+        </p:spPr>
+      </p:pic>
+      <p:pic>
+        <p:nvPicPr>
+          <p:cNvPr id="6" name="图片 5"/>
+          <p:cNvPicPr>
+            <a:picLocks noChangeAspect="1"/>
+          </p:cNvPicPr>
+          <p:nvPr/>
+        </p:nvPicPr>
+        <p:blipFill>
+          <a:blip r:embed="rId3"/>
+          <a:stretch>
+            <a:fillRect/>
+          </a:stretch>
+        </p:blipFill>
+        <p:spPr>
+          <a:xfrm>
+            <a:off x="4552950" y="5847715"/>
+            <a:ext cx="4591050" cy="571500"/>
+          </a:xfrm>
+          <a:prstGeom prst="rect">
+            <a:avLst/>
+          </a:prstGeom>
+        </p:spPr>
+      </p:pic>
+    </p:spTree>
+  </p:cSld>
+  <p:clrMapOvr>
+    <a:masterClrMapping/>
+  </p:clrMapOvr>
+</p:sld>
+</file>
+
 <file path=ppt/slides/slide2.xml><?xml version="1.0" encoding="utf-8"?>
 <p:sld xmlns:a="http://schemas.openxmlformats.org/drawingml/2006/main" xmlns:r="http://schemas.openxmlformats.org/officeDocument/2006/relationships" xmlns:p="http://schemas.openxmlformats.org/presentationml/2006/main">
   <p:cSld>
@@ -8321,7 +9930,7 @@
                 <a:latin typeface="Calibri" panose="020F0502020204030204" pitchFamily="34" charset="0"/>
                 <a:cs typeface="Calibri" panose="020F0502020204030204" pitchFamily="34" charset="0"/>
               </a:rPr>
-              <a:t>Code Demo</a:t>
+              <a:t>Example</a:t>
             </a:r>
             <a:endParaRPr lang="en-US" sz="3200" b="1" dirty="0">
               <a:latin typeface="Calibri" panose="020F0502020204030204" pitchFamily="34" charset="0"/>
@@ -8497,7 +10106,7 @@
                   <a:srgbClr val="262626"/>
                 </a:solidFill>
               </a:rPr>
-              <a:t>Context API</a:t>
+              <a:t>Functional components</a:t>
             </a:r>
             <a:endParaRPr lang="en-US" altLang="en-US" sz="1540" dirty="0">
               <a:solidFill>
@@ -8514,12 +10123,13 @@
               <a:buChar char="•"/>
             </a:pPr>
             <a:r>
-              <a:rPr lang="en-US" altLang="en-US" sz="1540" dirty="0">
+              <a:rPr lang="en-US" altLang="en-US" sz="1535" dirty="0">
                 <a:solidFill>
                   <a:srgbClr val="262626"/>
                 </a:solidFill>
+                <a:sym typeface="+mn-ea"/>
               </a:rPr>
-              <a:t>Functional components</a:t>
+              <a:t>Context API</a:t>
             </a:r>
             <a:endParaRPr lang="en-US" altLang="en-US" sz="1540" dirty="0">
               <a:solidFill>
@@ -8543,36 +10153,6 @@
               </a:rPr>
               <a:t>Hooks</a:t>
             </a:r>
-            <a:endParaRPr lang="en-US" altLang="en-US" sz="1540" dirty="0">
-              <a:solidFill>
-                <a:srgbClr val="262626"/>
-              </a:solidFill>
-            </a:endParaRPr>
-          </a:p>
-          <a:p>
-            <a:pPr marL="228600" lvl="0" indent="-228600" defTabSz="342900">
-              <a:lnSpc>
-                <a:spcPct val="120000"/>
-              </a:lnSpc>
-              <a:buFont typeface="Arial" panose="020B0604020202020204" pitchFamily="34" charset="0"/>
-              <a:buChar char="•"/>
-            </a:pPr>
-            <a:r>
-              <a:rPr lang="zh-CN" altLang="en-US" sz="1535">
-                <a:sym typeface="+mn-ea"/>
-              </a:rPr>
-              <a:t>https://www.w3schools.com/react/react_lifecycle.asp</a:t>
-            </a:r>
-            <a:endParaRPr lang="zh-CN" altLang="en-US" sz="1535"/>
-          </a:p>
-          <a:p>
-            <a:pPr marL="228600" lvl="0" indent="-228600" defTabSz="342900">
-              <a:lnSpc>
-                <a:spcPct val="120000"/>
-              </a:lnSpc>
-              <a:buFont typeface="Arial" panose="020B0604020202020204" pitchFamily="34" charset="0"/>
-              <a:buChar char="•"/>
-            </a:pPr>
             <a:endParaRPr lang="en-US" altLang="en-US" sz="1540" dirty="0">
               <a:solidFill>
                 <a:srgbClr val="262626"/>
@@ -8762,21 +10342,29 @@
               <a:buChar char="•"/>
             </a:pPr>
             <a:r>
-              <a:rPr lang="zh-CN" altLang="en-US" sz="1535">
-                <a:sym typeface="+mn-ea"/>
+              <a:rPr lang="en-US" altLang="en-US" sz="1540" dirty="0">
+                <a:solidFill>
+                  <a:srgbClr val="262626"/>
+                </a:solidFill>
               </a:rPr>
-              <a:t>https://www.w3schools.com/react/react_lifecycle.asp</a:t>
-            </a:r>
-            <a:endParaRPr lang="zh-CN" altLang="en-US" sz="1535"/>
-          </a:p>
-          <a:p>
-            <a:pPr marL="228600" lvl="0" indent="-228600" defTabSz="342900">
-              <a:lnSpc>
-                <a:spcPct val="120000"/>
-              </a:lnSpc>
-              <a:buFont typeface="Arial" panose="020B0604020202020204" pitchFamily="34" charset="0"/>
-              <a:buChar char="•"/>
-            </a:pPr>
+              <a:t>Debug to see rendering process (</a:t>
+            </a:r>
+            <a:r>
+              <a:rPr lang="en-US" altLang="en-US" sz="1540" dirty="0">
+                <a:solidFill>
+                  <a:srgbClr val="FF0000"/>
+                </a:solidFill>
+              </a:rPr>
+              <a:t>code demo</a:t>
+            </a:r>
+            <a:r>
+              <a:rPr lang="en-US" altLang="en-US" sz="1540" dirty="0">
+                <a:solidFill>
+                  <a:srgbClr val="262626"/>
+                </a:solidFill>
+              </a:rPr>
+              <a:t>)</a:t>
+            </a:r>
             <a:endParaRPr lang="en-US" altLang="en-US" sz="1540" dirty="0">
               <a:solidFill>
                 <a:srgbClr val="262626"/>
@@ -8838,7 +10426,7 @@
                 <a:latin typeface="Calibri" panose="020F0502020204030204" pitchFamily="34" charset="0"/>
                 <a:cs typeface="Calibri" panose="020F0502020204030204" pitchFamily="34" charset="0"/>
               </a:rPr>
-              <a:t>Functional Component and Hooks</a:t>
+              <a:t>Props vs States</a:t>
             </a:r>
             <a:endParaRPr lang="en-US" sz="3200" b="1" dirty="0">
               <a:latin typeface="Calibri" panose="020F0502020204030204" pitchFamily="34" charset="0"/>
@@ -8849,7 +10437,7 @@
       </p:sp>
       <p:sp>
         <p:nvSpPr>
-          <p:cNvPr id="3" name="Content Placeholder 2"/>
+          <p:cNvPr id="6" name="Content Placeholder 2"/>
           <p:cNvSpPr>
             <a:spLocks noGrp="1"/>
           </p:cNvSpPr>
@@ -8865,175 +10453,212 @@
         </p:spPr>
         <p:txBody>
           <a:bodyPr>
-            <a:normAutofit/>
+            <a:normAutofit lnSpcReduction="10000"/>
           </a:bodyPr>
-          <a:lstStyle/>
-          <a:p>
-            <a:pPr defTabSz="342900">
+          <a:p>
+            <a:pPr marL="228600" lvl="0" indent="-228600" defTabSz="342900">
               <a:lnSpc>
                 <a:spcPct val="120000"/>
               </a:lnSpc>
+              <a:buFont typeface="Arial" panose="020B0604020202020204" pitchFamily="34" charset="0"/>
+              <a:buChar char="•"/>
             </a:pPr>
             <a:r>
-              <a:rPr lang="en-US" altLang="en-US" sz="1800" dirty="0">
+              <a:rPr lang="en-US" altLang="en-US" sz="1540" dirty="0">
                 <a:solidFill>
                   <a:srgbClr val="262626"/>
                 </a:solidFill>
               </a:rPr>
-              <a:t>Hooks, an API that allows your functional components to "Hook" into React functionality. </a:t>
-            </a:r>
-            <a:endParaRPr lang="en-US" altLang="en-US" sz="1800" dirty="0">
+              <a:t>Props:</a:t>
+            </a:r>
+            <a:endParaRPr lang="en-US" altLang="en-US" sz="1540" dirty="0">
               <a:solidFill>
                 <a:srgbClr val="262626"/>
               </a:solidFill>
             </a:endParaRPr>
           </a:p>
           <a:p>
-            <a:pPr defTabSz="342900">
+            <a:pPr marL="228600" lvl="0" indent="-228600" defTabSz="342900">
               <a:lnSpc>
                 <a:spcPct val="120000"/>
               </a:lnSpc>
+              <a:buFont typeface="Arial" panose="020B0604020202020204" pitchFamily="34" charset="0"/>
+              <a:buChar char="•"/>
             </a:pPr>
             <a:r>
-              <a:rPr lang="en-US" altLang="en-US" sz="1800" dirty="0">
+              <a:rPr lang="en-US" altLang="en-US" sz="1540" dirty="0">
                 <a:solidFill>
                   <a:srgbClr val="262626"/>
                 </a:solidFill>
               </a:rPr>
-              <a:t>The overarching motivation for this feature is to simplify your components. For example, forcing React developers to use classes to define their components leads to the overuse of wrapper components to pass state around their apps. </a:t>
-            </a:r>
-            <a:endParaRPr lang="en-US" altLang="en-US" sz="1800" dirty="0">
+              <a:t>Think of props as arguments to a function. React components are functions which return JSX (or more generally something that's renderable like React elements, null, a string, etc.). </a:t>
+            </a:r>
+            <a:endParaRPr lang="en-US" altLang="en-US" sz="1540" dirty="0">
               <a:solidFill>
                 <a:srgbClr val="262626"/>
               </a:solidFill>
             </a:endParaRPr>
           </a:p>
           <a:p>
-            <a:pPr defTabSz="342900">
+            <a:pPr marL="228600" lvl="0" indent="-228600" defTabSz="342900">
               <a:lnSpc>
                 <a:spcPct val="120000"/>
               </a:lnSpc>
+              <a:buFont typeface="Arial" panose="020B0604020202020204" pitchFamily="34" charset="0"/>
+              <a:buChar char="•"/>
             </a:pPr>
             <a:r>
-              <a:rPr lang="en-US" altLang="en-US" sz="1800" dirty="0">
+              <a:rPr lang="en-US" altLang="en-US" sz="1540" dirty="0">
                 <a:solidFill>
                   <a:srgbClr val="262626"/>
                 </a:solidFill>
               </a:rPr>
-              <a:t>With Hooks, you can stick with simple functions to implement your components and have a clear picture of how everything fits together.</a:t>
-            </a:r>
-            <a:endParaRPr lang="en-US" altLang="en-US" sz="1800" dirty="0">
+              <a:t>props should not change</a:t>
+            </a:r>
+            <a:endParaRPr lang="en-US" altLang="en-US" sz="1540" dirty="0">
               <a:solidFill>
                 <a:srgbClr val="262626"/>
               </a:solidFill>
             </a:endParaRPr>
           </a:p>
           <a:p>
-            <a:pPr defTabSz="342900">
+            <a:pPr marL="228600" lvl="0" indent="-228600" defTabSz="342900">
               <a:lnSpc>
                 <a:spcPct val="120000"/>
               </a:lnSpc>
+              <a:buFont typeface="Arial" panose="020B0604020202020204" pitchFamily="34" charset="0"/>
+              <a:buChar char="•"/>
             </a:pPr>
-            <a:endParaRPr lang="en-US" altLang="en-US" sz="1800" dirty="0">
+            <a:endParaRPr lang="en-US" altLang="en-US" sz="1540" dirty="0">
               <a:solidFill>
                 <a:srgbClr val="262626"/>
               </a:solidFill>
             </a:endParaRPr>
           </a:p>
           <a:p>
-            <a:pPr defTabSz="342900">
+            <a:pPr marL="228600" lvl="0" indent="-228600" defTabSz="342900">
               <a:lnSpc>
                 <a:spcPct val="120000"/>
               </a:lnSpc>
+              <a:buFont typeface="Arial" panose="020B0604020202020204" pitchFamily="34" charset="0"/>
+              <a:buChar char="•"/>
             </a:pPr>
             <a:r>
-              <a:rPr lang="en-US" altLang="en-US" sz="1800" dirty="0">
+              <a:rPr lang="en-US" altLang="en-US" sz="1540" dirty="0">
                 <a:solidFill>
                   <a:srgbClr val="262626"/>
                 </a:solidFill>
               </a:rPr>
-              <a:t>Functional Component: more flexible and simpler than Class Component</a:t>
-            </a:r>
-            <a:endParaRPr lang="en-US" altLang="en-US" sz="1800" dirty="0">
+              <a:t>State: is data that changes over time</a:t>
+            </a:r>
+            <a:endParaRPr lang="en-US" altLang="en-US" sz="1540" dirty="0">
               <a:solidFill>
                 <a:srgbClr val="262626"/>
               </a:solidFill>
             </a:endParaRPr>
           </a:p>
           <a:p>
-            <a:pPr defTabSz="342900">
+            <a:pPr marL="228600" lvl="0" indent="-228600" defTabSz="342900">
               <a:lnSpc>
                 <a:spcPct val="120000"/>
               </a:lnSpc>
+              <a:buFont typeface="Arial" panose="020B0604020202020204" pitchFamily="34" charset="0"/>
+              <a:buChar char="•"/>
             </a:pPr>
-            <a:endParaRPr lang="en-US" altLang="en-US" sz="1800" dirty="0">
+            <a:r>
+              <a:rPr lang="en-US" altLang="en-US" sz="1540" dirty="0">
+                <a:solidFill>
+                  <a:srgbClr val="262626"/>
+                </a:solidFill>
+              </a:rPr>
+              <a:t>Like props, state holds information about the component. However, the kind of information and how it is handled is different (</a:t>
+            </a:r>
+            <a:r>
+              <a:rPr lang="en-US" altLang="en-US" sz="1540" dirty="0">
+                <a:solidFill>
+                  <a:srgbClr val="FF0000"/>
+                </a:solidFill>
+              </a:rPr>
+              <a:t>code demo</a:t>
+            </a:r>
+            <a:r>
+              <a:rPr lang="en-US" altLang="en-US" sz="1540" dirty="0">
+                <a:solidFill>
+                  <a:srgbClr val="262626"/>
+                </a:solidFill>
+              </a:rPr>
+              <a:t>)</a:t>
+            </a:r>
+            <a:endParaRPr lang="en-US" altLang="en-US" sz="1540" dirty="0">
               <a:solidFill>
                 <a:srgbClr val="262626"/>
               </a:solidFill>
             </a:endParaRPr>
           </a:p>
           <a:p>
-            <a:pPr defTabSz="342900">
+            <a:pPr marL="228600" lvl="0" indent="-228600" defTabSz="342900">
               <a:lnSpc>
                 <a:spcPct val="120000"/>
               </a:lnSpc>
+              <a:buFont typeface="Arial" panose="020B0604020202020204" pitchFamily="34" charset="0"/>
+              <a:buChar char="•"/>
             </a:pPr>
-            <a:r>
-              <a:rPr lang="en-US" altLang="en-US" sz="1800" dirty="0">
-                <a:solidFill>
-                  <a:srgbClr val="262626"/>
-                </a:solidFill>
-              </a:rPr>
-              <a:t>1.Functional Components also known as Stateless component</a:t>
-            </a:r>
-            <a:endParaRPr lang="en-US" altLang="en-US" sz="1800" dirty="0">
+            <a:endParaRPr lang="en-US" altLang="en-US" sz="1540" dirty="0">
               <a:solidFill>
                 <a:srgbClr val="262626"/>
               </a:solidFill>
             </a:endParaRPr>
           </a:p>
-          <a:p>
-            <a:pPr defTabSz="342900">
-              <a:lnSpc>
-                <a:spcPct val="120000"/>
-              </a:lnSpc>
-            </a:pPr>
-            <a:r>
-              <a:rPr lang="en-US" altLang="en-US" sz="1800" dirty="0">
-                <a:solidFill>
-                  <a:srgbClr val="262626"/>
-                </a:solidFill>
-              </a:rPr>
-              <a:t>2.Class Component also known as Stateful component</a:t>
-            </a:r>
-            <a:endParaRPr lang="en-US" altLang="en-US" sz="1800" dirty="0">
-              <a:solidFill>
-                <a:srgbClr val="262626"/>
-              </a:solidFill>
-            </a:endParaRPr>
-          </a:p>
-          <a:p>
-            <a:pPr defTabSz="342900">
-              <a:lnSpc>
-                <a:spcPct val="120000"/>
-              </a:lnSpc>
-            </a:pPr>
-            <a:r>
-              <a:rPr lang="en-US" altLang="en-US" sz="1800" dirty="0">
-                <a:solidFill>
-                  <a:srgbClr val="262626"/>
-                </a:solidFill>
-              </a:rPr>
-              <a:t>how to use hooks?</a:t>
-            </a:r>
-            <a:endParaRPr lang="zh-CN" altLang="en-US" sz="1800" dirty="0">
-              <a:solidFill>
-                <a:srgbClr val="262626"/>
-              </a:solidFill>
-            </a:endParaRPr>
-          </a:p>
-        </p:txBody>
-      </p:sp>
+        </p:txBody>
+      </p:sp>
+      <p:pic>
+        <p:nvPicPr>
+          <p:cNvPr id="3" name="图片 2"/>
+          <p:cNvPicPr>
+            <a:picLocks noChangeAspect="1"/>
+          </p:cNvPicPr>
+          <p:nvPr/>
+        </p:nvPicPr>
+        <p:blipFill>
+          <a:blip r:embed="rId1"/>
+          <a:stretch>
+            <a:fillRect/>
+          </a:stretch>
+        </p:blipFill>
+        <p:spPr>
+          <a:xfrm>
+            <a:off x="628650" y="3963670"/>
+            <a:ext cx="4972050" cy="2514600"/>
+          </a:xfrm>
+          <a:prstGeom prst="rect">
+            <a:avLst/>
+          </a:prstGeom>
+        </p:spPr>
+      </p:pic>
+      <p:pic>
+        <p:nvPicPr>
+          <p:cNvPr id="4" name="图片 3"/>
+          <p:cNvPicPr>
+            <a:picLocks noChangeAspect="1"/>
+          </p:cNvPicPr>
+          <p:nvPr/>
+        </p:nvPicPr>
+        <p:blipFill>
+          <a:blip r:embed="rId2"/>
+          <a:stretch>
+            <a:fillRect/>
+          </a:stretch>
+        </p:blipFill>
+        <p:spPr>
+          <a:xfrm>
+            <a:off x="5791200" y="3830320"/>
+            <a:ext cx="3352800" cy="2647950"/>
+          </a:xfrm>
+          <a:prstGeom prst="rect">
+            <a:avLst/>
+          </a:prstGeom>
+        </p:spPr>
+      </p:pic>
     </p:spTree>
   </p:cSld>
   <p:clrMapOvr>

--- a/BCI - Day12 - Reactjs 1 Intro.pptx
+++ b/BCI - Day12 - Reactjs 1 Intro.pptx
@@ -20,13 +20,17 @@
     <p:sldId id="1818" r:id="rId13"/>
     <p:sldId id="1832" r:id="rId14"/>
     <p:sldId id="1843" r:id="rId15"/>
-    <p:sldId id="1849" r:id="rId16"/>
-    <p:sldId id="1848" r:id="rId17"/>
-    <p:sldId id="1850" r:id="rId18"/>
-    <p:sldId id="1851" r:id="rId19"/>
-    <p:sldId id="1845" r:id="rId20"/>
-    <p:sldId id="1846" r:id="rId21"/>
-    <p:sldId id="1847" r:id="rId22"/>
+    <p:sldId id="1854" r:id="rId16"/>
+    <p:sldId id="1849" r:id="rId17"/>
+    <p:sldId id="1848" r:id="rId18"/>
+    <p:sldId id="1850" r:id="rId19"/>
+    <p:sldId id="1851" r:id="rId20"/>
+    <p:sldId id="1845" r:id="rId21"/>
+    <p:sldId id="1846" r:id="rId22"/>
+    <p:sldId id="1847" r:id="rId23"/>
+    <p:sldId id="1855" r:id="rId24"/>
+    <p:sldId id="1852" r:id="rId25"/>
+    <p:sldId id="1853" r:id="rId26"/>
   </p:sldIdLst>
   <p:sldSz cx="9144000" cy="6858000" type="screen4x3"/>
   <p:notesSz cx="7315200" cy="9601200"/>
@@ -7788,6 +7792,461 @@
                 <a:latin typeface="Calibri" panose="020F0502020204030204" pitchFamily="34" charset="0"/>
                 <a:cs typeface="Calibri" panose="020F0502020204030204" pitchFamily="34" charset="0"/>
               </a:rPr>
+              <a:t>Hook Code Demo</a:t>
+            </a:r>
+            <a:endParaRPr lang="en-US" sz="3200" b="1" dirty="0">
+              <a:latin typeface="Calibri" panose="020F0502020204030204" pitchFamily="34" charset="0"/>
+              <a:cs typeface="Calibri" panose="020F0502020204030204" pitchFamily="34" charset="0"/>
+            </a:endParaRPr>
+          </a:p>
+        </p:txBody>
+      </p:sp>
+      <p:sp>
+        <p:nvSpPr>
+          <p:cNvPr id="6" name="Content Placeholder 2"/>
+          <p:cNvSpPr>
+            <a:spLocks noGrp="1"/>
+          </p:cNvSpPr>
+          <p:nvPr>
+            <p:ph idx="1"/>
+          </p:nvPr>
+        </p:nvSpPr>
+        <p:spPr>
+          <a:xfrm>
+            <a:off x="628650" y="989044"/>
+            <a:ext cx="7886700" cy="5605719"/>
+          </a:xfrm>
+        </p:spPr>
+        <p:txBody>
+          <a:bodyPr>
+            <a:normAutofit lnSpcReduction="20000"/>
+          </a:bodyPr>
+          <a:p>
+            <a:pPr marL="228600" lvl="0" indent="-228600" defTabSz="342900">
+              <a:lnSpc>
+                <a:spcPct val="120000"/>
+              </a:lnSpc>
+              <a:buFont typeface="Arial" panose="020B0604020202020204" pitchFamily="34" charset="0"/>
+              <a:buChar char="•"/>
+            </a:pPr>
+            <a:r>
+              <a:rPr lang="en-US" altLang="en-US" sz="1540" dirty="0">
+                <a:solidFill>
+                  <a:srgbClr val="262626"/>
+                </a:solidFill>
+              </a:rPr>
+              <a:t>Two ways of defining functional States</a:t>
+            </a:r>
+            <a:endParaRPr lang="en-US" altLang="en-US" sz="1540" dirty="0">
+              <a:solidFill>
+                <a:srgbClr val="262626"/>
+              </a:solidFill>
+            </a:endParaRPr>
+          </a:p>
+          <a:p>
+            <a:pPr marL="228600" lvl="0" indent="-228600" defTabSz="342900">
+              <a:lnSpc>
+                <a:spcPct val="120000"/>
+              </a:lnSpc>
+              <a:buFont typeface="Arial" panose="020B0604020202020204" pitchFamily="34" charset="0"/>
+              <a:buChar char="•"/>
+            </a:pPr>
+            <a:r>
+              <a:rPr lang="en-US" altLang="en-US" sz="1540" dirty="0">
+                <a:solidFill>
+                  <a:srgbClr val="262626"/>
+                </a:solidFill>
+              </a:rPr>
+              <a:t>const [age, setAge] = useState(19)</a:t>
+            </a:r>
+            <a:endParaRPr lang="en-US" altLang="en-US" sz="1540" dirty="0">
+              <a:solidFill>
+                <a:srgbClr val="262626"/>
+              </a:solidFill>
+            </a:endParaRPr>
+          </a:p>
+          <a:p>
+            <a:pPr marL="228600" lvl="0" indent="-228600" defTabSz="342900">
+              <a:lnSpc>
+                <a:spcPct val="120000"/>
+              </a:lnSpc>
+              <a:buFont typeface="Arial" panose="020B0604020202020204" pitchFamily="34" charset="0"/>
+              <a:buChar char="•"/>
+            </a:pPr>
+            <a:r>
+              <a:rPr lang="en-US" altLang="en-US" sz="1535" dirty="0">
+                <a:solidFill>
+                  <a:srgbClr val="262626"/>
+                </a:solidFill>
+                <a:sym typeface="+mn-ea"/>
+              </a:rPr>
+              <a:t>const [</a:t>
+            </a:r>
+            <a:r>
+              <a:rPr lang="en-US" altLang="en-US" sz="1535" dirty="0">
+                <a:solidFill>
+                  <a:srgbClr val="262626"/>
+                </a:solidFill>
+                <a:sym typeface="+mn-ea"/>
+              </a:rPr>
+              <a:t>name</a:t>
+            </a:r>
+            <a:r>
+              <a:rPr lang="en-US" altLang="en-US" sz="1535" dirty="0">
+                <a:solidFill>
+                  <a:srgbClr val="262626"/>
+                </a:solidFill>
+                <a:sym typeface="+mn-ea"/>
+              </a:rPr>
+              <a:t>, setN</a:t>
+            </a:r>
+            <a:r>
+              <a:rPr lang="en-US" altLang="en-US" sz="1535" dirty="0">
+                <a:solidFill>
+                  <a:srgbClr val="262626"/>
+                </a:solidFill>
+                <a:sym typeface="+mn-ea"/>
+              </a:rPr>
+              <a:t>ame</a:t>
+            </a:r>
+            <a:r>
+              <a:rPr lang="en-US" altLang="en-US" sz="1535" dirty="0">
+                <a:solidFill>
+                  <a:srgbClr val="262626"/>
+                </a:solidFill>
+                <a:sym typeface="+mn-ea"/>
+              </a:rPr>
+              <a:t>] = useState(“John”)</a:t>
+            </a:r>
+            <a:endParaRPr lang="en-US" altLang="en-US" sz="1535" dirty="0">
+              <a:solidFill>
+                <a:srgbClr val="262626"/>
+              </a:solidFill>
+            </a:endParaRPr>
+          </a:p>
+          <a:p>
+            <a:pPr marL="228600" lvl="0" indent="-228600" defTabSz="342900">
+              <a:lnSpc>
+                <a:spcPct val="120000"/>
+              </a:lnSpc>
+              <a:buFont typeface="Arial" panose="020B0604020202020204" pitchFamily="34" charset="0"/>
+              <a:buChar char="•"/>
+            </a:pPr>
+            <a:endParaRPr lang="zh-CN" altLang="en-US" sz="1540" dirty="0">
+              <a:solidFill>
+                <a:srgbClr val="262626"/>
+              </a:solidFill>
+            </a:endParaRPr>
+          </a:p>
+          <a:p>
+            <a:pPr marL="228600" lvl="0" indent="-228600" defTabSz="342900">
+              <a:lnSpc>
+                <a:spcPct val="120000"/>
+              </a:lnSpc>
+              <a:buFont typeface="Arial" panose="020B0604020202020204" pitchFamily="34" charset="0"/>
+              <a:buChar char="•"/>
+            </a:pPr>
+            <a:r>
+              <a:rPr lang="en-US" altLang="zh-CN" sz="1540" dirty="0">
+                <a:solidFill>
+                  <a:srgbClr val="262626"/>
+                </a:solidFill>
+              </a:rPr>
+              <a:t>const </a:t>
+            </a:r>
+            <a:r>
+              <a:rPr lang="en-US" altLang="en-US" sz="1535" dirty="0">
+                <a:solidFill>
+                  <a:srgbClr val="262626"/>
+                </a:solidFill>
+                <a:sym typeface="+mn-ea"/>
+              </a:rPr>
+              <a:t> [status, setS</a:t>
+            </a:r>
+            <a:r>
+              <a:rPr lang="en-US" altLang="en-US" sz="1535" dirty="0">
+                <a:solidFill>
+                  <a:srgbClr val="262626"/>
+                </a:solidFill>
+                <a:sym typeface="+mn-ea"/>
+              </a:rPr>
+              <a:t>tatus</a:t>
+            </a:r>
+            <a:r>
+              <a:rPr lang="en-US" altLang="en-US" sz="1535" dirty="0">
+                <a:solidFill>
+                  <a:srgbClr val="262626"/>
+                </a:solidFill>
+                <a:sym typeface="+mn-ea"/>
+              </a:rPr>
+              <a:t>] = useState({</a:t>
+            </a:r>
+            <a:endParaRPr lang="en-US" altLang="en-US" sz="1535" dirty="0">
+              <a:solidFill>
+                <a:srgbClr val="262626"/>
+              </a:solidFill>
+              <a:sym typeface="+mn-ea"/>
+            </a:endParaRPr>
+          </a:p>
+          <a:p>
+            <a:pPr marL="228600" lvl="0" indent="-228600" defTabSz="342900">
+              <a:lnSpc>
+                <a:spcPct val="120000"/>
+              </a:lnSpc>
+              <a:buFont typeface="Arial" panose="020B0604020202020204" pitchFamily="34" charset="0"/>
+              <a:buChar char="•"/>
+            </a:pPr>
+            <a:r>
+              <a:rPr lang="en-US" altLang="en-US" sz="1600" dirty="0">
+                <a:solidFill>
+                  <a:srgbClr val="262626"/>
+                </a:solidFill>
+                <a:sym typeface="+mn-ea"/>
+              </a:rPr>
+              <a:t>age: 19,</a:t>
+            </a:r>
+            <a:endParaRPr lang="en-US" altLang="en-US" sz="1600" dirty="0">
+              <a:solidFill>
+                <a:srgbClr val="262626"/>
+              </a:solidFill>
+              <a:sym typeface="+mn-ea"/>
+            </a:endParaRPr>
+          </a:p>
+          <a:p>
+            <a:pPr marL="228600" lvl="0" indent="-228600" defTabSz="342900">
+              <a:lnSpc>
+                <a:spcPct val="120000"/>
+              </a:lnSpc>
+              <a:buFont typeface="Arial" panose="020B0604020202020204" pitchFamily="34" charset="0"/>
+              <a:buChar char="•"/>
+            </a:pPr>
+            <a:r>
+              <a:rPr lang="en-US" altLang="en-US" sz="1600" dirty="0">
+                <a:solidFill>
+                  <a:srgbClr val="262626"/>
+                </a:solidFill>
+                <a:sym typeface="+mn-ea"/>
+              </a:rPr>
+              <a:t>name: “John“</a:t>
+            </a:r>
+            <a:endParaRPr lang="en-US" altLang="en-US" sz="1600" dirty="0">
+              <a:solidFill>
+                <a:srgbClr val="262626"/>
+              </a:solidFill>
+              <a:sym typeface="+mn-ea"/>
+            </a:endParaRPr>
+          </a:p>
+          <a:p>
+            <a:pPr marL="228600" lvl="0" indent="-228600" defTabSz="342900">
+              <a:lnSpc>
+                <a:spcPct val="120000"/>
+              </a:lnSpc>
+              <a:buFont typeface="Arial" panose="020B0604020202020204" pitchFamily="34" charset="0"/>
+              <a:buChar char="•"/>
+            </a:pPr>
+            <a:r>
+              <a:rPr lang="en-US" altLang="en-US" sz="1535" dirty="0">
+                <a:solidFill>
+                  <a:srgbClr val="262626"/>
+                </a:solidFill>
+                <a:sym typeface="+mn-ea"/>
+              </a:rPr>
+              <a:t>})</a:t>
+            </a:r>
+            <a:endParaRPr lang="en-US" altLang="en-US" sz="1535" dirty="0">
+              <a:solidFill>
+                <a:srgbClr val="262626"/>
+              </a:solidFill>
+              <a:sym typeface="+mn-ea"/>
+            </a:endParaRPr>
+          </a:p>
+          <a:p>
+            <a:pPr marL="228600" lvl="0" indent="-228600" defTabSz="342900">
+              <a:lnSpc>
+                <a:spcPct val="120000"/>
+              </a:lnSpc>
+              <a:buFont typeface="Arial" panose="020B0604020202020204" pitchFamily="34" charset="0"/>
+              <a:buChar char="•"/>
+            </a:pPr>
+            <a:endParaRPr lang="en-US" altLang="en-US" sz="1535" dirty="0">
+              <a:solidFill>
+                <a:srgbClr val="262626"/>
+              </a:solidFill>
+              <a:sym typeface="+mn-ea"/>
+            </a:endParaRPr>
+          </a:p>
+          <a:p>
+            <a:pPr marL="228600" lvl="0" indent="-228600" defTabSz="342900">
+              <a:lnSpc>
+                <a:spcPct val="120000"/>
+              </a:lnSpc>
+              <a:buFont typeface="Arial" panose="020B0604020202020204" pitchFamily="34" charset="0"/>
+              <a:buChar char="•"/>
+            </a:pPr>
+            <a:r>
+              <a:rPr lang="en-US" altLang="en-US" sz="1535" dirty="0">
+                <a:solidFill>
+                  <a:srgbClr val="262626"/>
+                </a:solidFill>
+              </a:rPr>
+              <a:t>When update:</a:t>
+            </a:r>
+            <a:endParaRPr lang="en-US" altLang="en-US" sz="1535" dirty="0">
+              <a:solidFill>
+                <a:srgbClr val="262626"/>
+              </a:solidFill>
+            </a:endParaRPr>
+          </a:p>
+          <a:p>
+            <a:pPr marL="228600" lvl="0" indent="-228600" defTabSz="342900">
+              <a:lnSpc>
+                <a:spcPct val="120000"/>
+              </a:lnSpc>
+              <a:buFont typeface="Arial" panose="020B0604020202020204" pitchFamily="34" charset="0"/>
+              <a:buChar char="•"/>
+            </a:pPr>
+            <a:r>
+              <a:rPr lang="en-US" altLang="en-US" sz="1535" dirty="0">
+                <a:solidFill>
+                  <a:srgbClr val="262626"/>
+                </a:solidFill>
+                <a:sym typeface="+mn-ea"/>
+              </a:rPr>
+              <a:t>setStatus({</a:t>
+            </a:r>
+            <a:endParaRPr lang="en-US" altLang="en-US" sz="1535" dirty="0">
+              <a:solidFill>
+                <a:srgbClr val="262626"/>
+              </a:solidFill>
+              <a:sym typeface="+mn-ea"/>
+            </a:endParaRPr>
+          </a:p>
+          <a:p>
+            <a:pPr marL="228600" lvl="0" indent="-228600" defTabSz="342900">
+              <a:lnSpc>
+                <a:spcPct val="120000"/>
+              </a:lnSpc>
+              <a:buFont typeface="Arial" panose="020B0604020202020204" pitchFamily="34" charset="0"/>
+              <a:buChar char="•"/>
+            </a:pPr>
+            <a:r>
+              <a:rPr lang="en-US" altLang="en-US" sz="1535" dirty="0">
+                <a:solidFill>
+                  <a:srgbClr val="262626"/>
+                </a:solidFill>
+                <a:sym typeface="+mn-ea"/>
+              </a:rPr>
+              <a:t>age: 12,</a:t>
+            </a:r>
+            <a:endParaRPr lang="en-US" altLang="en-US" sz="1535" dirty="0">
+              <a:solidFill>
+                <a:srgbClr val="262626"/>
+              </a:solidFill>
+              <a:sym typeface="+mn-ea"/>
+            </a:endParaRPr>
+          </a:p>
+          <a:p>
+            <a:pPr marL="228600" lvl="0" indent="-228600" defTabSz="342900">
+              <a:lnSpc>
+                <a:spcPct val="120000"/>
+              </a:lnSpc>
+              <a:buFont typeface="Arial" panose="020B0604020202020204" pitchFamily="34" charset="0"/>
+              <a:buChar char="•"/>
+            </a:pPr>
+            <a:r>
+              <a:rPr lang="en-US" altLang="en-US" sz="1535" dirty="0">
+                <a:solidFill>
+                  <a:srgbClr val="262626"/>
+                </a:solidFill>
+                <a:sym typeface="+mn-ea"/>
+              </a:rPr>
+              <a:t>name: “John“</a:t>
+            </a:r>
+            <a:endParaRPr lang="en-US" altLang="en-US" sz="1535" dirty="0">
+              <a:solidFill>
+                <a:srgbClr val="262626"/>
+              </a:solidFill>
+              <a:sym typeface="+mn-ea"/>
+            </a:endParaRPr>
+          </a:p>
+          <a:p>
+            <a:pPr marL="228600" lvl="0" indent="-228600" defTabSz="342900">
+              <a:lnSpc>
+                <a:spcPct val="120000"/>
+              </a:lnSpc>
+              <a:buFont typeface="Arial" panose="020B0604020202020204" pitchFamily="34" charset="0"/>
+              <a:buChar char="•"/>
+            </a:pPr>
+            <a:r>
+              <a:rPr lang="en-US" altLang="en-US" sz="1535" dirty="0">
+                <a:solidFill>
+                  <a:srgbClr val="262626"/>
+                </a:solidFill>
+                <a:sym typeface="+mn-ea"/>
+              </a:rPr>
+              <a:t>})</a:t>
+            </a:r>
+            <a:endParaRPr lang="en-US" altLang="zh-CN" sz="1540" dirty="0">
+              <a:solidFill>
+                <a:srgbClr val="262626"/>
+              </a:solidFill>
+            </a:endParaRPr>
+          </a:p>
+        </p:txBody>
+      </p:sp>
+    </p:spTree>
+  </p:cSld>
+  <p:clrMapOvr>
+    <a:masterClrMapping/>
+  </p:clrMapOvr>
+</p:sld>
+</file>
+
+<file path=ppt/slides/slide14.xml><?xml version="1.0" encoding="utf-8"?>
+<p:sld xmlns:a="http://schemas.openxmlformats.org/drawingml/2006/main" xmlns:r="http://schemas.openxmlformats.org/officeDocument/2006/relationships" xmlns:p="http://schemas.openxmlformats.org/presentationml/2006/main">
+  <p:cSld>
+    <p:spTree>
+      <p:nvGrpSpPr>
+        <p:cNvPr id="1" name=""/>
+        <p:cNvGrpSpPr/>
+        <p:nvPr/>
+      </p:nvGrpSpPr>
+      <p:grpSpPr>
+        <a:xfrm>
+          <a:off x="0" y="0"/>
+          <a:ext cx="0" cy="0"/>
+          <a:chOff x="0" y="0"/>
+          <a:chExt cx="0" cy="0"/>
+        </a:xfrm>
+      </p:grpSpPr>
+      <p:sp>
+        <p:nvSpPr>
+          <p:cNvPr id="2" name="Title 1"/>
+          <p:cNvSpPr>
+            <a:spLocks noGrp="1"/>
+          </p:cNvSpPr>
+          <p:nvPr>
+            <p:ph type="title"/>
+          </p:nvPr>
+        </p:nvSpPr>
+        <p:spPr>
+          <a:xfrm>
+            <a:off x="628650" y="155263"/>
+            <a:ext cx="7886700" cy="526790"/>
+          </a:xfrm>
+        </p:spPr>
+        <p:txBody>
+          <a:bodyPr>
+            <a:normAutofit fontScale="90000"/>
+          </a:bodyPr>
+          <a:lstStyle/>
+          <a:p>
+            <a:pPr algn="ctr"/>
+            <a:r>
+              <a:rPr lang="en-US" sz="3200" b="1" dirty="0">
+                <a:latin typeface="Calibri" panose="020F0502020204030204" pitchFamily="34" charset="0"/>
+                <a:cs typeface="Calibri" panose="020F0502020204030204" pitchFamily="34" charset="0"/>
+              </a:rPr>
               <a:t>Context</a:t>
             </a:r>
             <a:endParaRPr lang="en-US" sz="3200" b="1" dirty="0">
@@ -7888,7 +8347,7 @@
 </p:sld>
 </file>
 
-<file path=ppt/slides/slide14.xml><?xml version="1.0" encoding="utf-8"?>
+<file path=ppt/slides/slide15.xml><?xml version="1.0" encoding="utf-8"?>
 <p:sld xmlns:a="http://schemas.openxmlformats.org/drawingml/2006/main" xmlns:r="http://schemas.openxmlformats.org/officeDocument/2006/relationships" xmlns:p="http://schemas.openxmlformats.org/presentationml/2006/main">
   <p:cSld>
     <p:spTree>
@@ -8016,7 +8475,7 @@
 </p:sld>
 </file>
 
-<file path=ppt/slides/slide15.xml><?xml version="1.0" encoding="utf-8"?>
+<file path=ppt/slides/slide16.xml><?xml version="1.0" encoding="utf-8"?>
 <p:sld xmlns:a="http://schemas.openxmlformats.org/drawingml/2006/main" xmlns:r="http://schemas.openxmlformats.org/officeDocument/2006/relationships" xmlns:p="http://schemas.openxmlformats.org/presentationml/2006/main">
   <p:cSld>
     <p:spTree>
@@ -8144,7 +8603,7 @@
 </p:sld>
 </file>
 
-<file path=ppt/slides/slide16.xml><?xml version="1.0" encoding="utf-8"?>
+<file path=ppt/slides/slide17.xml><?xml version="1.0" encoding="utf-8"?>
 <p:sld xmlns:a="http://schemas.openxmlformats.org/drawingml/2006/main" xmlns:r="http://schemas.openxmlformats.org/officeDocument/2006/relationships" xmlns:p="http://schemas.openxmlformats.org/presentationml/2006/main">
   <p:cSld>
     <p:spTree>
@@ -8272,7 +8731,7 @@
 </p:sld>
 </file>
 
-<file path=ppt/slides/slide17.xml><?xml version="1.0" encoding="utf-8"?>
+<file path=ppt/slides/slide18.xml><?xml version="1.0" encoding="utf-8"?>
 <p:sld xmlns:a="http://schemas.openxmlformats.org/drawingml/2006/main" xmlns:r="http://schemas.openxmlformats.org/officeDocument/2006/relationships" xmlns:p="http://schemas.openxmlformats.org/presentationml/2006/main">
   <p:cSld>
     <p:spTree>
@@ -8565,7 +9024,7 @@
 </p:sld>
 </file>
 
-<file path=ppt/slides/slide18.xml><?xml version="1.0" encoding="utf-8"?>
+<file path=ppt/slides/slide19.xml><?xml version="1.0" encoding="utf-8"?>
 <p:sld xmlns:a="http://schemas.openxmlformats.org/drawingml/2006/main" xmlns:r="http://schemas.openxmlformats.org/officeDocument/2006/relationships" xmlns:p="http://schemas.openxmlformats.org/presentationml/2006/main">
   <p:cSld>
     <p:spTree>
@@ -8732,7 +9191,7 @@
                   <a:srgbClr val="262626"/>
                 </a:solidFill>
               </a:rPr>
-              <a:t>2 setState</a:t>
+              <a:t>2 Context (covered)</a:t>
             </a:r>
             <a:endParaRPr lang="en-US" altLang="zh-CN" sz="1800" dirty="0">
               <a:solidFill>
@@ -8766,6 +9225,30 @@
           </a:p>
         </p:txBody>
       </p:sp>
+      <p:pic>
+        <p:nvPicPr>
+          <p:cNvPr id="8" name="图片 7"/>
+          <p:cNvPicPr>
+            <a:picLocks noChangeAspect="1"/>
+          </p:cNvPicPr>
+          <p:nvPr/>
+        </p:nvPicPr>
+        <p:blipFill>
+          <a:blip r:embed="rId1"/>
+          <a:stretch>
+            <a:fillRect/>
+          </a:stretch>
+        </p:blipFill>
+        <p:spPr>
+          <a:xfrm>
+            <a:off x="5358130" y="989330"/>
+            <a:ext cx="2900680" cy="5576570"/>
+          </a:xfrm>
+          <a:prstGeom prst="rect">
+            <a:avLst/>
+          </a:prstGeom>
+        </p:spPr>
+      </p:pic>
     </p:spTree>
   </p:cSld>
   <p:clrMapOvr>
@@ -8774,7 +9257,336 @@
 </p:sld>
 </file>
 
-<file path=ppt/slides/slide19.xml><?xml version="1.0" encoding="utf-8"?>
+<file path=ppt/slides/slide2.xml><?xml version="1.0" encoding="utf-8"?>
+<p:sld xmlns:a="http://schemas.openxmlformats.org/drawingml/2006/main" xmlns:r="http://schemas.openxmlformats.org/officeDocument/2006/relationships" xmlns:p="http://schemas.openxmlformats.org/presentationml/2006/main">
+  <p:cSld>
+    <p:spTree>
+      <p:nvGrpSpPr>
+        <p:cNvPr id="1" name=""/>
+        <p:cNvGrpSpPr/>
+        <p:nvPr/>
+      </p:nvGrpSpPr>
+      <p:grpSpPr>
+        <a:xfrm>
+          <a:off x="0" y="0"/>
+          <a:ext cx="0" cy="0"/>
+          <a:chOff x="0" y="0"/>
+          <a:chExt cx="0" cy="0"/>
+        </a:xfrm>
+      </p:grpSpPr>
+      <p:sp>
+        <p:nvSpPr>
+          <p:cNvPr id="21505" name="Title 1"/>
+          <p:cNvSpPr>
+            <a:spLocks noGrp="1"/>
+          </p:cNvSpPr>
+          <p:nvPr>
+            <p:ph type="title"/>
+          </p:nvPr>
+        </p:nvSpPr>
+        <p:spPr>
+          <a:xfrm>
+            <a:off x="233363" y="308848"/>
+            <a:ext cx="8227219" cy="327422"/>
+          </a:xfrm>
+        </p:spPr>
+        <p:txBody>
+          <a:bodyPr vert="horz" lIns="0" tIns="0" rIns="0" bIns="0" rtlCol="0" anchor="ctr">
+            <a:normAutofit fontScale="90000"/>
+          </a:bodyPr>
+          <a:lstStyle/>
+          <a:p>
+            <a:pPr algn="ctr"/>
+            <a:r>
+              <a:rPr lang="en-US" altLang="zh-CN" sz="3200" b="1" dirty="0">
+                <a:latin typeface="Calibri" panose="020F0502020204030204" pitchFamily="34" charset="0"/>
+                <a:cs typeface="Calibri" panose="020F0502020204030204" pitchFamily="34" charset="0"/>
+              </a:rPr>
+              <a:t>Outline</a:t>
+            </a:r>
+            <a:endParaRPr lang="en-GB" altLang="zh-CN" sz="3200" b="1" dirty="0">
+              <a:latin typeface="Calibri" panose="020F0502020204030204" pitchFamily="34" charset="0"/>
+              <a:cs typeface="Calibri" panose="020F0502020204030204" pitchFamily="34" charset="0"/>
+            </a:endParaRPr>
+          </a:p>
+        </p:txBody>
+      </p:sp>
+      <p:sp>
+        <p:nvSpPr>
+          <p:cNvPr id="21506" name="文本框 6"/>
+          <p:cNvSpPr txBox="1"/>
+          <p:nvPr/>
+        </p:nvSpPr>
+        <p:spPr>
+          <a:xfrm>
+            <a:off x="246455" y="859156"/>
+            <a:ext cx="8651359" cy="5486400"/>
+          </a:xfrm>
+          <a:prstGeom prst="rect">
+            <a:avLst/>
+          </a:prstGeom>
+          <a:noFill/>
+          <a:ln w="9525">
+            <a:noFill/>
+          </a:ln>
+        </p:spPr>
+        <p:txBody>
+          <a:bodyPr wrap="square" lIns="0" tIns="0" rIns="0" bIns="0" anchor="t"/>
+          <a:lstStyle/>
+          <a:p>
+            <a:pPr marL="171450" lvl="0" indent="-171450" fontAlgn="auto">
+              <a:lnSpc>
+                <a:spcPct val="200000"/>
+              </a:lnSpc>
+              <a:spcBef>
+                <a:spcPts val="700"/>
+              </a:spcBef>
+              <a:buFont typeface="Arial" panose="020B0604020202020204" pitchFamily="34" charset="0"/>
+              <a:buChar char="•"/>
+            </a:pPr>
+            <a:r>
+              <a:rPr lang="en-US" dirty="0"/>
+              <a:t>What is Reactjs</a:t>
+            </a:r>
+            <a:endParaRPr lang="en-US" dirty="0"/>
+          </a:p>
+          <a:p>
+            <a:pPr marL="171450" lvl="0" indent="-171450" fontAlgn="auto">
+              <a:lnSpc>
+                <a:spcPct val="200000"/>
+              </a:lnSpc>
+              <a:spcBef>
+                <a:spcPts val="700"/>
+              </a:spcBef>
+              <a:buFont typeface="Arial" panose="020B0604020202020204" pitchFamily="34" charset="0"/>
+              <a:buChar char="•"/>
+            </a:pPr>
+            <a:r>
+              <a:rPr lang="en-US" dirty="0"/>
+              <a:t>Code Demo</a:t>
+            </a:r>
+            <a:endParaRPr lang="en-US" dirty="0"/>
+          </a:p>
+          <a:p>
+            <a:pPr marL="171450" lvl="0" indent="-171450" fontAlgn="auto">
+              <a:lnSpc>
+                <a:spcPct val="200000"/>
+              </a:lnSpc>
+              <a:spcBef>
+                <a:spcPts val="700"/>
+              </a:spcBef>
+              <a:buFont typeface="Arial" panose="020B0604020202020204" pitchFamily="34" charset="0"/>
+              <a:buChar char="•"/>
+            </a:pPr>
+            <a:r>
+              <a:rPr lang="en-US" dirty="0">
+                <a:latin typeface="Calibri" panose="020F0502020204030204" pitchFamily="34" charset="0"/>
+                <a:cs typeface="Calibri" panose="020F0502020204030204" pitchFamily="34" charset="0"/>
+                <a:sym typeface="+mn-ea"/>
+              </a:rPr>
+              <a:t>Key Concepts</a:t>
+            </a:r>
+            <a:endParaRPr lang="en-US" dirty="0">
+              <a:latin typeface="Calibri" panose="020F0502020204030204" pitchFamily="34" charset="0"/>
+              <a:cs typeface="Calibri" panose="020F0502020204030204" pitchFamily="34" charset="0"/>
+            </a:endParaRPr>
+          </a:p>
+          <a:p>
+            <a:pPr marL="171450" lvl="0" indent="-171450" fontAlgn="auto">
+              <a:lnSpc>
+                <a:spcPct val="200000"/>
+              </a:lnSpc>
+              <a:spcBef>
+                <a:spcPts val="700"/>
+              </a:spcBef>
+              <a:buFont typeface="Arial" panose="020B0604020202020204" pitchFamily="34" charset="0"/>
+              <a:buChar char="•"/>
+            </a:pPr>
+            <a:r>
+              <a:rPr lang="en-US" dirty="0">
+                <a:latin typeface="Calibri" panose="020F0502020204030204" pitchFamily="34" charset="0"/>
+                <a:cs typeface="Calibri" panose="020F0502020204030204" pitchFamily="34" charset="0"/>
+                <a:sym typeface="+mn-ea"/>
+              </a:rPr>
+              <a:t>Lifecycle Methods</a:t>
+            </a:r>
+            <a:endParaRPr lang="en-US" dirty="0">
+              <a:latin typeface="Calibri" panose="020F0502020204030204" pitchFamily="34" charset="0"/>
+              <a:cs typeface="Calibri" panose="020F0502020204030204" pitchFamily="34" charset="0"/>
+            </a:endParaRPr>
+          </a:p>
+          <a:p>
+            <a:pPr marL="171450" lvl="0" indent="-171450" fontAlgn="auto">
+              <a:lnSpc>
+                <a:spcPct val="200000"/>
+              </a:lnSpc>
+              <a:spcBef>
+                <a:spcPts val="700"/>
+              </a:spcBef>
+              <a:buFont typeface="Arial" panose="020B0604020202020204" pitchFamily="34" charset="0"/>
+              <a:buChar char="•"/>
+            </a:pPr>
+            <a:r>
+              <a:rPr lang="en-US" dirty="0">
+                <a:latin typeface="Calibri" panose="020F0502020204030204" pitchFamily="34" charset="0"/>
+                <a:cs typeface="Calibri" panose="020F0502020204030204" pitchFamily="34" charset="0"/>
+                <a:sym typeface="+mn-ea"/>
+              </a:rPr>
+              <a:t>Functional Component and Hooks</a:t>
+            </a:r>
+            <a:endParaRPr lang="en-US" dirty="0">
+              <a:latin typeface="Calibri" panose="020F0502020204030204" pitchFamily="34" charset="0"/>
+              <a:cs typeface="Calibri" panose="020F0502020204030204" pitchFamily="34" charset="0"/>
+              <a:sym typeface="+mn-ea"/>
+            </a:endParaRPr>
+          </a:p>
+          <a:p>
+            <a:pPr marL="171450" lvl="0" indent="-171450" fontAlgn="auto">
+              <a:lnSpc>
+                <a:spcPct val="200000"/>
+              </a:lnSpc>
+              <a:spcBef>
+                <a:spcPts val="700"/>
+              </a:spcBef>
+              <a:buFont typeface="Arial" panose="020B0604020202020204" pitchFamily="34" charset="0"/>
+              <a:buChar char="•"/>
+            </a:pPr>
+            <a:r>
+              <a:rPr lang="en-US" dirty="0">
+                <a:latin typeface="Calibri" panose="020F0502020204030204" pitchFamily="34" charset="0"/>
+                <a:cs typeface="Calibri" panose="020F0502020204030204" pitchFamily="34" charset="0"/>
+                <a:sym typeface="+mn-ea"/>
+              </a:rPr>
+              <a:t>Code Demo</a:t>
+            </a:r>
+            <a:endParaRPr lang="en-US" dirty="0">
+              <a:latin typeface="Calibri" panose="020F0502020204030204" pitchFamily="34" charset="0"/>
+              <a:cs typeface="Calibri" panose="020F0502020204030204" pitchFamily="34" charset="0"/>
+              <a:sym typeface="+mn-ea"/>
+            </a:endParaRPr>
+          </a:p>
+          <a:p>
+            <a:pPr lvl="0" indent="0" fontAlgn="auto">
+              <a:lnSpc>
+                <a:spcPct val="200000"/>
+              </a:lnSpc>
+              <a:spcBef>
+                <a:spcPts val="700"/>
+              </a:spcBef>
+              <a:buFont typeface="Arial" panose="020B0604020202020204" pitchFamily="34" charset="0"/>
+              <a:buNone/>
+            </a:pPr>
+            <a:endParaRPr lang="en-US" dirty="0"/>
+          </a:p>
+        </p:txBody>
+      </p:sp>
+      <p:sp>
+        <p:nvSpPr>
+          <p:cNvPr id="6" name="TextBox 6"/>
+          <p:cNvSpPr txBox="1"/>
+          <p:nvPr/>
+        </p:nvSpPr>
+        <p:spPr>
+          <a:xfrm>
+            <a:off x="25183" y="6636420"/>
+            <a:ext cx="3270445" cy="184664"/>
+          </a:xfrm>
+          <a:prstGeom prst="rect">
+            <a:avLst/>
+          </a:prstGeom>
+          <a:ln w="12700">
+            <a:miter lim="400000"/>
+          </a:ln>
+        </p:spPr>
+        <p:txBody>
+          <a:bodyPr wrap="none" lIns="34289" tIns="34289" rIns="34289" bIns="34289">
+            <a:spAutoFit/>
+          </a:bodyPr>
+          <a:lstStyle>
+            <a:lvl1pPr defTabSz="914400">
+              <a:defRPr sz="1000">
+                <a:solidFill>
+                  <a:srgbClr val="FFFFFF"/>
+                </a:solidFill>
+                <a:latin typeface="Montserrat"/>
+                <a:ea typeface="Montserrat"/>
+                <a:cs typeface="Montserrat"/>
+                <a:sym typeface="Montserrat"/>
+              </a:defRPr>
+            </a:lvl1pPr>
+          </a:lstStyle>
+          <a:p>
+            <a:r>
+              <a:rPr lang="en-US" sz="750" dirty="0">
+                <a:solidFill>
+                  <a:schemeClr val="tx1"/>
+                </a:solidFill>
+                <a:latin typeface="Montserrat" panose="00000500000000000000" pitchFamily="2" charset="0"/>
+              </a:rPr>
+              <a:t>© 2017-2020    SmartMesh Foundation Pte. Ltd.  |  MeshBox Foundation Pte. Ltd.</a:t>
+            </a:r>
+            <a:endParaRPr lang="en-US" sz="750" dirty="0">
+              <a:solidFill>
+                <a:schemeClr val="tx1"/>
+              </a:solidFill>
+              <a:latin typeface="Montserrat" panose="00000500000000000000" pitchFamily="2" charset="0"/>
+              <a:sym typeface="Arial" panose="020B0604020202020204"/>
+            </a:endParaRPr>
+          </a:p>
+        </p:txBody>
+      </p:sp>
+      <p:sp>
+        <p:nvSpPr>
+          <p:cNvPr id="7" name="TextBox 6"/>
+          <p:cNvSpPr txBox="1">
+            <a:spLocks noChangeArrowheads="1"/>
+          </p:cNvSpPr>
+          <p:nvPr/>
+        </p:nvSpPr>
+        <p:spPr bwMode="auto">
+          <a:xfrm>
+            <a:off x="7872314" y="6569155"/>
+            <a:ext cx="1289447" cy="253916"/>
+          </a:xfrm>
+          <a:prstGeom prst="rect">
+            <a:avLst/>
+          </a:prstGeom>
+          <a:noFill/>
+          <a:ln w="9525">
+            <a:noFill/>
+            <a:miter lim="800000"/>
+          </a:ln>
+        </p:spPr>
+        <p:txBody>
+          <a:bodyPr>
+            <a:spAutoFit/>
+          </a:bodyPr>
+          <a:lstStyle/>
+          <a:p>
+            <a:pPr algn="r"/>
+            <a:fld id="{6F888031-CE6A-4173-BB2B-520974F34056}" type="slidenum">
+              <a:rPr lang="en-GB" sz="1050">
+                <a:latin typeface="Calibri" panose="020F0502020204030204" pitchFamily="34" charset="0"/>
+              </a:rPr>
+            </a:fld>
+            <a:endParaRPr lang="en-GB" sz="1050" dirty="0">
+              <a:latin typeface="Calibri" panose="020F0502020204030204" pitchFamily="34" charset="0"/>
+            </a:endParaRPr>
+          </a:p>
+        </p:txBody>
+      </p:sp>
+    </p:spTree>
+  </p:cSld>
+  <p:clrMapOvr>
+    <a:masterClrMapping/>
+  </p:clrMapOvr>
+  <p:transition spd="med">
+    <p:fade/>
+  </p:transition>
+</p:sld>
+</file>
+
+<file path=ppt/slides/slide20.xml><?xml version="1.0" encoding="utf-8"?>
 <p:sld xmlns:a="http://schemas.openxmlformats.org/drawingml/2006/main" xmlns:r="http://schemas.openxmlformats.org/officeDocument/2006/relationships" xmlns:p="http://schemas.openxmlformats.org/presentationml/2006/main">
   <p:cSld>
     <p:spTree>
@@ -9095,7 +9907,7 @@
 </p:sld>
 </file>
 
-<file path=ppt/slides/slide2.xml><?xml version="1.0" encoding="utf-8"?>
+<file path=ppt/slides/slide21.xml><?xml version="1.0" encoding="utf-8"?>
 <p:sld xmlns:a="http://schemas.openxmlformats.org/drawingml/2006/main" xmlns:r="http://schemas.openxmlformats.org/officeDocument/2006/relationships" xmlns:p="http://schemas.openxmlformats.org/presentationml/2006/main">
   <p:cSld>
     <p:spTree>
@@ -9114,7 +9926,7 @@
       </p:grpSpPr>
       <p:sp>
         <p:nvSpPr>
-          <p:cNvPr id="21505" name="Title 1"/>
+          <p:cNvPr id="2" name="Title 1"/>
           <p:cNvSpPr>
             <a:spLocks noGrp="1"/>
           </p:cNvSpPr>
@@ -9124,25 +9936,25 @@
         </p:nvSpPr>
         <p:spPr>
           <a:xfrm>
-            <a:off x="233363" y="308848"/>
-            <a:ext cx="8227219" cy="327422"/>
+            <a:off x="628650" y="155263"/>
+            <a:ext cx="7886700" cy="526790"/>
           </a:xfrm>
         </p:spPr>
         <p:txBody>
-          <a:bodyPr vert="horz" lIns="0" tIns="0" rIns="0" bIns="0" rtlCol="0" anchor="ctr">
+          <a:bodyPr>
             <a:normAutofit fontScale="90000"/>
           </a:bodyPr>
           <a:lstStyle/>
           <a:p>
             <a:pPr algn="ctr"/>
             <a:r>
-              <a:rPr lang="en-US" altLang="zh-CN" sz="3200" b="1" dirty="0">
+              <a:rPr lang="en-US" sz="3200" b="1" dirty="0">
                 <a:latin typeface="Calibri" panose="020F0502020204030204" pitchFamily="34" charset="0"/>
                 <a:cs typeface="Calibri" panose="020F0502020204030204" pitchFamily="34" charset="0"/>
               </a:rPr>
-              <a:t>Outline</a:t>
-            </a:r>
-            <a:endParaRPr lang="en-GB" altLang="zh-CN" sz="3200" b="1" dirty="0">
+              <a:t>Bind in Reactjs</a:t>
+            </a:r>
+            <a:endParaRPr lang="en-US" sz="3200" b="1" dirty="0">
               <a:latin typeface="Calibri" panose="020F0502020204030204" pitchFamily="34" charset="0"/>
               <a:cs typeface="Calibri" panose="020F0502020204030204" pitchFamily="34" charset="0"/>
             </a:endParaRPr>
@@ -9151,276 +9963,611 @@
       </p:sp>
       <p:sp>
         <p:nvSpPr>
-          <p:cNvPr id="21506" name="文本框 6"/>
-          <p:cNvSpPr txBox="1"/>
-          <p:nvPr/>
+          <p:cNvPr id="3" name="Content Placeholder 2"/>
+          <p:cNvSpPr>
+            <a:spLocks noGrp="1"/>
+          </p:cNvSpPr>
+          <p:nvPr>
+            <p:ph idx="1"/>
+          </p:nvPr>
         </p:nvSpPr>
         <p:spPr>
           <a:xfrm>
-            <a:off x="246455" y="859156"/>
-            <a:ext cx="8651359" cy="5486400"/>
+            <a:off x="628650" y="989044"/>
+            <a:ext cx="7886700" cy="5605719"/>
+          </a:xfrm>
+        </p:spPr>
+        <p:txBody>
+          <a:bodyPr>
+            <a:normAutofit/>
+          </a:bodyPr>
+          <a:lstStyle/>
+          <a:p>
+            <a:pPr defTabSz="342900">
+              <a:lnSpc>
+                <a:spcPct val="120000"/>
+              </a:lnSpc>
+            </a:pPr>
+            <a:r>
+              <a:rPr lang="en-US" altLang="zh-CN" sz="1800" dirty="0">
+                <a:solidFill>
+                  <a:srgbClr val="262626"/>
+                </a:solidFill>
+              </a:rPr>
+              <a:t>What is bind? and why we need to use Bind?</a:t>
+            </a:r>
+            <a:endParaRPr lang="en-US" altLang="zh-CN" sz="1800" dirty="0">
+              <a:solidFill>
+                <a:srgbClr val="262626"/>
+              </a:solidFill>
+            </a:endParaRPr>
+          </a:p>
+          <a:p>
+            <a:pPr defTabSz="342900">
+              <a:lnSpc>
+                <a:spcPct val="120000"/>
+              </a:lnSpc>
+            </a:pPr>
+            <a:r>
+              <a:rPr lang="en-US" altLang="zh-CN" sz="1800" dirty="0">
+                <a:solidFill>
+                  <a:srgbClr val="262626"/>
+                </a:solidFill>
+              </a:rPr>
+              <a:t>when passing down to the child component, this would probabily be change, so need to bind this</a:t>
+            </a:r>
+            <a:endParaRPr lang="en-US" altLang="zh-CN" sz="1800" dirty="0">
+              <a:solidFill>
+                <a:srgbClr val="262626"/>
+              </a:solidFill>
+            </a:endParaRPr>
+          </a:p>
+          <a:p>
+            <a:pPr defTabSz="342900">
+              <a:lnSpc>
+                <a:spcPct val="120000"/>
+              </a:lnSpc>
+            </a:pPr>
+            <a:endParaRPr lang="en-US" altLang="zh-CN" sz="1800" dirty="0">
+              <a:solidFill>
+                <a:srgbClr val="262626"/>
+              </a:solidFill>
+            </a:endParaRPr>
+          </a:p>
+          <a:p>
+            <a:pPr defTabSz="342900">
+              <a:lnSpc>
+                <a:spcPct val="120000"/>
+              </a:lnSpc>
+            </a:pPr>
+            <a:endParaRPr lang="en-US" altLang="zh-CN" sz="1800" dirty="0">
+              <a:solidFill>
+                <a:srgbClr val="262626"/>
+              </a:solidFill>
+            </a:endParaRPr>
+          </a:p>
+          <a:p>
+            <a:pPr defTabSz="342900">
+              <a:lnSpc>
+                <a:spcPct val="120000"/>
+              </a:lnSpc>
+            </a:pPr>
+            <a:endParaRPr lang="en-US" altLang="zh-CN" sz="1800" dirty="0">
+              <a:solidFill>
+                <a:srgbClr val="262626"/>
+              </a:solidFill>
+            </a:endParaRPr>
+          </a:p>
+          <a:p>
+            <a:pPr defTabSz="342900">
+              <a:lnSpc>
+                <a:spcPct val="120000"/>
+              </a:lnSpc>
+            </a:pPr>
+            <a:endParaRPr lang="en-US" altLang="zh-CN" sz="1800" dirty="0">
+              <a:solidFill>
+                <a:srgbClr val="262626"/>
+              </a:solidFill>
+            </a:endParaRPr>
+          </a:p>
+          <a:p>
+            <a:pPr defTabSz="342900">
+              <a:lnSpc>
+                <a:spcPct val="120000"/>
+              </a:lnSpc>
+            </a:pPr>
+            <a:endParaRPr lang="en-US" altLang="zh-CN" sz="1800" dirty="0">
+              <a:solidFill>
+                <a:srgbClr val="262626"/>
+              </a:solidFill>
+            </a:endParaRPr>
+          </a:p>
+          <a:p>
+            <a:pPr defTabSz="342900">
+              <a:lnSpc>
+                <a:spcPct val="120000"/>
+              </a:lnSpc>
+            </a:pPr>
+            <a:endParaRPr lang="en-US" altLang="zh-CN" sz="1800" dirty="0">
+              <a:solidFill>
+                <a:srgbClr val="262626"/>
+              </a:solidFill>
+            </a:endParaRPr>
+          </a:p>
+          <a:p>
+            <a:pPr marL="0" indent="0" defTabSz="342900">
+              <a:lnSpc>
+                <a:spcPct val="120000"/>
+              </a:lnSpc>
+              <a:buNone/>
+            </a:pPr>
+            <a:endParaRPr lang="en-US" altLang="zh-CN" sz="1800" dirty="0">
+              <a:solidFill>
+                <a:srgbClr val="262626"/>
+              </a:solidFill>
+            </a:endParaRPr>
+          </a:p>
+        </p:txBody>
+      </p:sp>
+      <p:pic>
+        <p:nvPicPr>
+          <p:cNvPr id="7" name="图片 6"/>
+          <p:cNvPicPr>
+            <a:picLocks noChangeAspect="1"/>
+          </p:cNvPicPr>
+          <p:nvPr/>
+        </p:nvPicPr>
+        <p:blipFill>
+          <a:blip r:embed="rId1"/>
+          <a:stretch>
+            <a:fillRect/>
+          </a:stretch>
+        </p:blipFill>
+        <p:spPr>
+          <a:xfrm>
+            <a:off x="628650" y="2984500"/>
+            <a:ext cx="6791325" cy="2510155"/>
           </a:xfrm>
           <a:prstGeom prst="rect">
             <a:avLst/>
           </a:prstGeom>
-          <a:noFill/>
-          <a:ln w="9525">
-            <a:noFill/>
-          </a:ln>
         </p:spPr>
-        <p:txBody>
-          <a:bodyPr wrap="square" lIns="0" tIns="0" rIns="0" bIns="0" anchor="t"/>
-          <a:lstStyle/>
-          <a:p>
-            <a:pPr marL="171450" lvl="0" indent="-171450" fontAlgn="auto">
-              <a:lnSpc>
-                <a:spcPct val="200000"/>
-              </a:lnSpc>
-              <a:spcBef>
-                <a:spcPts val="700"/>
-              </a:spcBef>
-              <a:buFont typeface="Arial" panose="020B0604020202020204" pitchFamily="34" charset="0"/>
-              <a:buChar char="•"/>
-            </a:pPr>
-            <a:r>
-              <a:rPr lang="en-US" dirty="0"/>
-              <a:t>What is Reactjs</a:t>
-            </a:r>
-            <a:endParaRPr lang="en-US" dirty="0"/>
-          </a:p>
-          <a:p>
-            <a:pPr marL="171450" lvl="0" indent="-171450" fontAlgn="auto">
-              <a:lnSpc>
-                <a:spcPct val="200000"/>
-              </a:lnSpc>
-              <a:spcBef>
-                <a:spcPts val="700"/>
-              </a:spcBef>
-              <a:buFont typeface="Arial" panose="020B0604020202020204" pitchFamily="34" charset="0"/>
-              <a:buChar char="•"/>
-            </a:pPr>
-            <a:r>
-              <a:rPr lang="en-US" dirty="0"/>
-              <a:t>Code Demo</a:t>
-            </a:r>
-            <a:endParaRPr lang="en-US" dirty="0"/>
-          </a:p>
-          <a:p>
-            <a:pPr marL="171450" lvl="0" indent="-171450" fontAlgn="auto">
-              <a:lnSpc>
-                <a:spcPct val="200000"/>
-              </a:lnSpc>
-              <a:spcBef>
-                <a:spcPts val="700"/>
-              </a:spcBef>
-              <a:buFont typeface="Arial" panose="020B0604020202020204" pitchFamily="34" charset="0"/>
-              <a:buChar char="•"/>
-            </a:pPr>
-            <a:r>
-              <a:rPr lang="en-US" dirty="0">
-                <a:latin typeface="Calibri" panose="020F0502020204030204" pitchFamily="34" charset="0"/>
-                <a:cs typeface="Calibri" panose="020F0502020204030204" pitchFamily="34" charset="0"/>
-                <a:sym typeface="+mn-ea"/>
-              </a:rPr>
-              <a:t>Key Concepts</a:t>
-            </a:r>
-            <a:endParaRPr lang="en-US" dirty="0">
-              <a:latin typeface="Calibri" panose="020F0502020204030204" pitchFamily="34" charset="0"/>
-              <a:cs typeface="Calibri" panose="020F0502020204030204" pitchFamily="34" charset="0"/>
-            </a:endParaRPr>
-          </a:p>
-          <a:p>
-            <a:pPr marL="171450" lvl="0" indent="-171450" fontAlgn="auto">
-              <a:lnSpc>
-                <a:spcPct val="200000"/>
-              </a:lnSpc>
-              <a:spcBef>
-                <a:spcPts val="700"/>
-              </a:spcBef>
-              <a:buFont typeface="Arial" panose="020B0604020202020204" pitchFamily="34" charset="0"/>
-              <a:buChar char="•"/>
-            </a:pPr>
-            <a:r>
-              <a:rPr lang="en-US" dirty="0">
-                <a:latin typeface="Calibri" panose="020F0502020204030204" pitchFamily="34" charset="0"/>
-                <a:cs typeface="Calibri" panose="020F0502020204030204" pitchFamily="34" charset="0"/>
-                <a:sym typeface="+mn-ea"/>
-              </a:rPr>
-              <a:t>Lifecycle Methods</a:t>
-            </a:r>
-            <a:endParaRPr lang="en-US" dirty="0">
-              <a:latin typeface="Calibri" panose="020F0502020204030204" pitchFamily="34" charset="0"/>
-              <a:cs typeface="Calibri" panose="020F0502020204030204" pitchFamily="34" charset="0"/>
-            </a:endParaRPr>
-          </a:p>
-          <a:p>
-            <a:pPr marL="171450" lvl="0" indent="-171450" fontAlgn="auto">
-              <a:lnSpc>
-                <a:spcPct val="200000"/>
-              </a:lnSpc>
-              <a:spcBef>
-                <a:spcPts val="700"/>
-              </a:spcBef>
-              <a:buFont typeface="Arial" panose="020B0604020202020204" pitchFamily="34" charset="0"/>
-              <a:buChar char="•"/>
-            </a:pPr>
-            <a:r>
-              <a:rPr lang="en-US" dirty="0">
-                <a:latin typeface="Calibri" panose="020F0502020204030204" pitchFamily="34" charset="0"/>
-                <a:cs typeface="Calibri" panose="020F0502020204030204" pitchFamily="34" charset="0"/>
-                <a:sym typeface="+mn-ea"/>
-              </a:rPr>
-              <a:t>Functional Component and Hooks</a:t>
-            </a:r>
-            <a:endParaRPr lang="en-US" dirty="0">
-              <a:latin typeface="Calibri" panose="020F0502020204030204" pitchFamily="34" charset="0"/>
-              <a:cs typeface="Calibri" panose="020F0502020204030204" pitchFamily="34" charset="0"/>
-              <a:sym typeface="+mn-ea"/>
-            </a:endParaRPr>
-          </a:p>
-          <a:p>
-            <a:pPr marL="171450" lvl="0" indent="-171450" fontAlgn="auto">
-              <a:lnSpc>
-                <a:spcPct val="200000"/>
-              </a:lnSpc>
-              <a:spcBef>
-                <a:spcPts val="700"/>
-              </a:spcBef>
-              <a:buFont typeface="Arial" panose="020B0604020202020204" pitchFamily="34" charset="0"/>
-              <a:buChar char="•"/>
-            </a:pPr>
-            <a:r>
-              <a:rPr lang="en-US" dirty="0">
-                <a:latin typeface="Calibri" panose="020F0502020204030204" pitchFamily="34" charset="0"/>
-                <a:cs typeface="Calibri" panose="020F0502020204030204" pitchFamily="34" charset="0"/>
-                <a:sym typeface="+mn-ea"/>
-              </a:rPr>
-              <a:t>Code Demo</a:t>
-            </a:r>
-            <a:endParaRPr lang="en-US" dirty="0">
-              <a:latin typeface="Calibri" panose="020F0502020204030204" pitchFamily="34" charset="0"/>
-              <a:cs typeface="Calibri" panose="020F0502020204030204" pitchFamily="34" charset="0"/>
-              <a:sym typeface="+mn-ea"/>
-            </a:endParaRPr>
-          </a:p>
-          <a:p>
-            <a:pPr lvl="0" indent="0" fontAlgn="auto">
-              <a:lnSpc>
-                <a:spcPct val="200000"/>
-              </a:lnSpc>
-              <a:spcBef>
-                <a:spcPts val="700"/>
-              </a:spcBef>
-              <a:buFont typeface="Arial" panose="020B0604020202020204" pitchFamily="34" charset="0"/>
-              <a:buNone/>
-            </a:pPr>
-            <a:endParaRPr lang="en-US" dirty="0"/>
-          </a:p>
-        </p:txBody>
-      </p:sp>
-      <p:sp>
-        <p:nvSpPr>
-          <p:cNvPr id="6" name="TextBox 6"/>
-          <p:cNvSpPr txBox="1"/>
-          <p:nvPr/>
-        </p:nvSpPr>
-        <p:spPr>
-          <a:xfrm>
-            <a:off x="25183" y="6636420"/>
-            <a:ext cx="3270445" cy="184664"/>
-          </a:xfrm>
-          <a:prstGeom prst="rect">
-            <a:avLst/>
-          </a:prstGeom>
-          <a:ln w="12700">
-            <a:miter lim="400000"/>
-          </a:ln>
-        </p:spPr>
-        <p:txBody>
-          <a:bodyPr wrap="none" lIns="34289" tIns="34289" rIns="34289" bIns="34289">
-            <a:spAutoFit/>
-          </a:bodyPr>
-          <a:lstStyle>
-            <a:lvl1pPr defTabSz="914400">
-              <a:defRPr sz="1000">
-                <a:solidFill>
-                  <a:srgbClr val="FFFFFF"/>
-                </a:solidFill>
-                <a:latin typeface="Montserrat"/>
-                <a:ea typeface="Montserrat"/>
-                <a:cs typeface="Montserrat"/>
-                <a:sym typeface="Montserrat"/>
-              </a:defRPr>
-            </a:lvl1pPr>
-          </a:lstStyle>
-          <a:p>
-            <a:r>
-              <a:rPr lang="en-US" sz="750" dirty="0">
-                <a:solidFill>
-                  <a:schemeClr val="tx1"/>
-                </a:solidFill>
-                <a:latin typeface="Montserrat" panose="00000500000000000000" pitchFamily="2" charset="0"/>
-              </a:rPr>
-              <a:t>© 2017-2020    SmartMesh Foundation Pte. Ltd.  |  MeshBox Foundation Pte. Ltd.</a:t>
-            </a:r>
-            <a:endParaRPr lang="en-US" sz="750" dirty="0">
-              <a:solidFill>
-                <a:schemeClr val="tx1"/>
-              </a:solidFill>
-              <a:latin typeface="Montserrat" panose="00000500000000000000" pitchFamily="2" charset="0"/>
-              <a:sym typeface="Arial" panose="020B0604020202020204"/>
-            </a:endParaRPr>
-          </a:p>
-        </p:txBody>
-      </p:sp>
-      <p:sp>
-        <p:nvSpPr>
-          <p:cNvPr id="7" name="TextBox 6"/>
-          <p:cNvSpPr txBox="1">
-            <a:spLocks noChangeArrowheads="1"/>
-          </p:cNvSpPr>
-          <p:nvPr/>
-        </p:nvSpPr>
-        <p:spPr bwMode="auto">
-          <a:xfrm>
-            <a:off x="7872314" y="6569155"/>
-            <a:ext cx="1289447" cy="253916"/>
-          </a:xfrm>
-          <a:prstGeom prst="rect">
-            <a:avLst/>
-          </a:prstGeom>
-          <a:noFill/>
-          <a:ln w="9525">
-            <a:noFill/>
-            <a:miter lim="800000"/>
-          </a:ln>
-        </p:spPr>
-        <p:txBody>
-          <a:bodyPr>
-            <a:spAutoFit/>
-          </a:bodyPr>
-          <a:lstStyle/>
-          <a:p>
-            <a:pPr algn="r"/>
-            <a:fld id="{6F888031-CE6A-4173-BB2B-520974F34056}" type="slidenum">
-              <a:rPr lang="en-GB" sz="1050">
-                <a:latin typeface="Calibri" panose="020F0502020204030204" pitchFamily="34" charset="0"/>
-              </a:rPr>
-            </a:fld>
-            <a:endParaRPr lang="en-GB" sz="1050" dirty="0">
-              <a:latin typeface="Calibri" panose="020F0502020204030204" pitchFamily="34" charset="0"/>
-            </a:endParaRPr>
-          </a:p>
-        </p:txBody>
-      </p:sp>
+      </p:pic>
     </p:spTree>
   </p:cSld>
   <p:clrMapOvr>
     <a:masterClrMapping/>
   </p:clrMapOvr>
-  <p:transition spd="med">
-    <p:fade/>
-  </p:transition>
+</p:sld>
+</file>
+
+<file path=ppt/slides/slide22.xml><?xml version="1.0" encoding="utf-8"?>
+<p:sld xmlns:a="http://schemas.openxmlformats.org/drawingml/2006/main" xmlns:r="http://schemas.openxmlformats.org/officeDocument/2006/relationships" xmlns:p="http://schemas.openxmlformats.org/presentationml/2006/main">
+  <p:cSld>
+    <p:spTree>
+      <p:nvGrpSpPr>
+        <p:cNvPr id="1" name=""/>
+        <p:cNvGrpSpPr/>
+        <p:nvPr/>
+      </p:nvGrpSpPr>
+      <p:grpSpPr>
+        <a:xfrm>
+          <a:off x="0" y="0"/>
+          <a:ext cx="0" cy="0"/>
+          <a:chOff x="0" y="0"/>
+          <a:chExt cx="0" cy="0"/>
+        </a:xfrm>
+      </p:grpSpPr>
+      <p:sp>
+        <p:nvSpPr>
+          <p:cNvPr id="2" name="Title 1"/>
+          <p:cNvSpPr>
+            <a:spLocks noGrp="1"/>
+          </p:cNvSpPr>
+          <p:nvPr>
+            <p:ph type="title"/>
+          </p:nvPr>
+        </p:nvSpPr>
+        <p:spPr>
+          <a:xfrm>
+            <a:off x="628650" y="155263"/>
+            <a:ext cx="7886700" cy="526790"/>
+          </a:xfrm>
+        </p:spPr>
+        <p:txBody>
+          <a:bodyPr>
+            <a:normAutofit fontScale="90000"/>
+          </a:bodyPr>
+          <a:lstStyle/>
+          <a:p>
+            <a:pPr algn="ctr"/>
+            <a:r>
+              <a:rPr lang="en-US" sz="3200" b="1" dirty="0">
+                <a:latin typeface="Calibri" panose="020F0502020204030204" pitchFamily="34" charset="0"/>
+                <a:cs typeface="Calibri" panose="020F0502020204030204" pitchFamily="34" charset="0"/>
+              </a:rPr>
+              <a:t>Code Demo</a:t>
+            </a:r>
+            <a:endParaRPr lang="en-US" sz="3200" b="1" dirty="0">
+              <a:latin typeface="Calibri" panose="020F0502020204030204" pitchFamily="34" charset="0"/>
+              <a:cs typeface="Calibri" panose="020F0502020204030204" pitchFamily="34" charset="0"/>
+            </a:endParaRPr>
+          </a:p>
+        </p:txBody>
+      </p:sp>
+      <p:sp>
+        <p:nvSpPr>
+          <p:cNvPr id="3" name="Content Placeholder 2"/>
+          <p:cNvSpPr>
+            <a:spLocks noGrp="1"/>
+          </p:cNvSpPr>
+          <p:nvPr>
+            <p:ph idx="1"/>
+          </p:nvPr>
+        </p:nvSpPr>
+        <p:spPr>
+          <a:xfrm>
+            <a:off x="628650" y="989044"/>
+            <a:ext cx="7886700" cy="5605719"/>
+          </a:xfrm>
+        </p:spPr>
+        <p:txBody>
+          <a:bodyPr>
+            <a:normAutofit/>
+          </a:bodyPr>
+          <a:lstStyle/>
+          <a:p>
+            <a:pPr defTabSz="342900">
+              <a:lnSpc>
+                <a:spcPct val="120000"/>
+              </a:lnSpc>
+            </a:pPr>
+            <a:r>
+              <a:rPr lang="en-US" altLang="zh-CN" sz="1800" dirty="0">
+                <a:solidFill>
+                  <a:srgbClr val="262626"/>
+                </a:solidFill>
+              </a:rPr>
+              <a:t>tasks:</a:t>
+            </a:r>
+            <a:endParaRPr lang="en-US" altLang="zh-CN" sz="1800" dirty="0">
+              <a:solidFill>
+                <a:srgbClr val="262626"/>
+              </a:solidFill>
+            </a:endParaRPr>
+          </a:p>
+          <a:p>
+            <a:pPr defTabSz="342900">
+              <a:lnSpc>
+                <a:spcPct val="120000"/>
+              </a:lnSpc>
+            </a:pPr>
+            <a:r>
+              <a:rPr lang="en-US" altLang="zh-CN" sz="1800" dirty="0">
+                <a:solidFill>
+                  <a:srgbClr val="262626"/>
+                </a:solidFill>
+              </a:rPr>
+              <a:t>1 setting up reactjs app</a:t>
+            </a:r>
+            <a:endParaRPr lang="en-US" altLang="zh-CN" sz="1800" dirty="0">
+              <a:solidFill>
+                <a:srgbClr val="262626"/>
+              </a:solidFill>
+            </a:endParaRPr>
+          </a:p>
+          <a:p>
+            <a:pPr defTabSz="342900">
+              <a:lnSpc>
+                <a:spcPct val="120000"/>
+              </a:lnSpc>
+            </a:pPr>
+            <a:r>
+              <a:rPr lang="en-US" altLang="zh-CN" sz="1800" dirty="0">
+                <a:solidFill>
+                  <a:srgbClr val="262626"/>
+                </a:solidFill>
+              </a:rPr>
+              <a:t>2 add nodejs login to react</a:t>
+            </a:r>
+            <a:endParaRPr lang="en-US" altLang="zh-CN" sz="1800" dirty="0">
+              <a:solidFill>
+                <a:srgbClr val="262626"/>
+              </a:solidFill>
+            </a:endParaRPr>
+          </a:p>
+          <a:p>
+            <a:pPr lvl="1" defTabSz="342900">
+              <a:lnSpc>
+                <a:spcPct val="120000"/>
+              </a:lnSpc>
+            </a:pPr>
+            <a:r>
+              <a:rPr lang="en-US" altLang="zh-CN" sz="1540" dirty="0">
+                <a:solidFill>
+                  <a:srgbClr val="262626"/>
+                </a:solidFill>
+              </a:rPr>
+              <a:t>add routes and link</a:t>
+            </a:r>
+            <a:endParaRPr lang="en-US" altLang="zh-CN" sz="1540" dirty="0">
+              <a:solidFill>
+                <a:srgbClr val="262626"/>
+              </a:solidFill>
+            </a:endParaRPr>
+          </a:p>
+          <a:p>
+            <a:pPr lvl="1" defTabSz="342900">
+              <a:lnSpc>
+                <a:spcPct val="120000"/>
+              </a:lnSpc>
+            </a:pPr>
+            <a:r>
+              <a:rPr lang="en-US" altLang="zh-CN" sz="1540" dirty="0">
+                <a:solidFill>
+                  <a:srgbClr val="262626"/>
+                </a:solidFill>
+              </a:rPr>
+              <a:t>https://reactrouter.com/web/example/basic</a:t>
+            </a:r>
+            <a:endParaRPr lang="en-US" altLang="zh-CN" sz="1540" dirty="0">
+              <a:solidFill>
+                <a:srgbClr val="262626"/>
+              </a:solidFill>
+            </a:endParaRPr>
+          </a:p>
+          <a:p>
+            <a:pPr lvl="1" defTabSz="342900">
+              <a:lnSpc>
+                <a:spcPct val="120000"/>
+              </a:lnSpc>
+            </a:pPr>
+            <a:endParaRPr lang="en-US" altLang="zh-CN" sz="1540" dirty="0">
+              <a:solidFill>
+                <a:srgbClr val="262626"/>
+              </a:solidFill>
+            </a:endParaRPr>
+          </a:p>
+          <a:p>
+            <a:pPr lvl="1" defTabSz="342900">
+              <a:lnSpc>
+                <a:spcPct val="120000"/>
+              </a:lnSpc>
+            </a:pPr>
+            <a:r>
+              <a:rPr lang="en-US" altLang="zh-CN" sz="1540" dirty="0">
+                <a:solidFill>
+                  <a:srgbClr val="262626"/>
+                </a:solidFill>
+              </a:rPr>
+              <a:t>add forms</a:t>
+            </a:r>
+            <a:endParaRPr lang="en-US" altLang="zh-CN" sz="1540" dirty="0">
+              <a:solidFill>
+                <a:srgbClr val="262626"/>
+              </a:solidFill>
+            </a:endParaRPr>
+          </a:p>
+          <a:p>
+            <a:pPr lvl="1" defTabSz="342900">
+              <a:lnSpc>
+                <a:spcPct val="120000"/>
+              </a:lnSpc>
+            </a:pPr>
+            <a:endParaRPr lang="en-US" altLang="zh-CN" sz="1540" dirty="0">
+              <a:solidFill>
+                <a:srgbClr val="262626"/>
+              </a:solidFill>
+            </a:endParaRPr>
+          </a:p>
+          <a:p>
+            <a:pPr lvl="1" defTabSz="342900">
+              <a:lnSpc>
+                <a:spcPct val="120000"/>
+              </a:lnSpc>
+            </a:pPr>
+            <a:r>
+              <a:rPr lang="en-US" altLang="zh-CN" sz="1540" dirty="0">
+                <a:solidFill>
+                  <a:srgbClr val="262626"/>
+                </a:solidFill>
+              </a:rPr>
+              <a:t>add events handler</a:t>
+            </a:r>
+            <a:endParaRPr lang="en-US" altLang="zh-CN" sz="1540" dirty="0">
+              <a:solidFill>
+                <a:srgbClr val="262626"/>
+              </a:solidFill>
+            </a:endParaRPr>
+          </a:p>
+          <a:p>
+            <a:pPr lvl="1" defTabSz="342900">
+              <a:lnSpc>
+                <a:spcPct val="120000"/>
+              </a:lnSpc>
+            </a:pPr>
+            <a:endParaRPr lang="en-US" altLang="zh-CN" sz="1540" dirty="0">
+              <a:solidFill>
+                <a:srgbClr val="262626"/>
+              </a:solidFill>
+            </a:endParaRPr>
+          </a:p>
+          <a:p>
+            <a:pPr lvl="1" defTabSz="342900">
+              <a:lnSpc>
+                <a:spcPct val="120000"/>
+              </a:lnSpc>
+            </a:pPr>
+            <a:r>
+              <a:rPr lang="en-US" altLang="zh-CN" sz="1540" dirty="0">
+                <a:solidFill>
+                  <a:srgbClr val="262626"/>
+                </a:solidFill>
+              </a:rPr>
+              <a:t>add submit handler</a:t>
+            </a:r>
+            <a:endParaRPr lang="en-US" altLang="zh-CN" sz="1540" dirty="0">
+              <a:solidFill>
+                <a:srgbClr val="262626"/>
+              </a:solidFill>
+            </a:endParaRPr>
+          </a:p>
+        </p:txBody>
+      </p:sp>
+    </p:spTree>
+  </p:cSld>
+  <p:clrMapOvr>
+    <a:masterClrMapping/>
+  </p:clrMapOvr>
+</p:sld>
+</file>
+
+<file path=ppt/slides/slide23.xml><?xml version="1.0" encoding="utf-8"?>
+<p:sld xmlns:a="http://schemas.openxmlformats.org/drawingml/2006/main" xmlns:r="http://schemas.openxmlformats.org/officeDocument/2006/relationships" xmlns:p="http://schemas.openxmlformats.org/presentationml/2006/main">
+  <p:cSld>
+    <p:spTree>
+      <p:nvGrpSpPr>
+        <p:cNvPr id="1" name=""/>
+        <p:cNvGrpSpPr/>
+        <p:nvPr/>
+      </p:nvGrpSpPr>
+      <p:grpSpPr>
+        <a:xfrm>
+          <a:off x="0" y="0"/>
+          <a:ext cx="0" cy="0"/>
+          <a:chOff x="0" y="0"/>
+          <a:chExt cx="0" cy="0"/>
+        </a:xfrm>
+      </p:grpSpPr>
+      <p:sp>
+        <p:nvSpPr>
+          <p:cNvPr id="2" name="Title 1"/>
+          <p:cNvSpPr>
+            <a:spLocks noGrp="1"/>
+          </p:cNvSpPr>
+          <p:nvPr>
+            <p:ph type="title"/>
+          </p:nvPr>
+        </p:nvSpPr>
+        <p:spPr>
+          <a:xfrm>
+            <a:off x="628650" y="155263"/>
+            <a:ext cx="7886700" cy="526790"/>
+          </a:xfrm>
+        </p:spPr>
+        <p:txBody>
+          <a:bodyPr>
+            <a:normAutofit fontScale="90000"/>
+          </a:bodyPr>
+          <a:lstStyle/>
+          <a:p>
+            <a:pPr algn="ctr"/>
+            <a:r>
+              <a:rPr lang="en-US" sz="3200" b="1" dirty="0">
+                <a:latin typeface="Calibri" panose="020F0502020204030204" pitchFamily="34" charset="0"/>
+                <a:cs typeface="Calibri" panose="020F0502020204030204" pitchFamily="34" charset="0"/>
+              </a:rPr>
+              <a:t>Code Demo</a:t>
+            </a:r>
+            <a:endParaRPr lang="en-US" sz="3200" b="1" dirty="0">
+              <a:latin typeface="Calibri" panose="020F0502020204030204" pitchFamily="34" charset="0"/>
+              <a:cs typeface="Calibri" panose="020F0502020204030204" pitchFamily="34" charset="0"/>
+            </a:endParaRPr>
+          </a:p>
+        </p:txBody>
+      </p:sp>
+      <p:sp>
+        <p:nvSpPr>
+          <p:cNvPr id="3" name="Content Placeholder 2"/>
+          <p:cNvSpPr>
+            <a:spLocks noGrp="1"/>
+          </p:cNvSpPr>
+          <p:nvPr>
+            <p:ph idx="1"/>
+          </p:nvPr>
+        </p:nvSpPr>
+        <p:spPr>
+          <a:xfrm>
+            <a:off x="628650" y="989044"/>
+            <a:ext cx="7886700" cy="5605719"/>
+          </a:xfrm>
+        </p:spPr>
+        <p:txBody>
+          <a:bodyPr>
+            <a:normAutofit/>
+          </a:bodyPr>
+          <a:lstStyle/>
+          <a:p>
+            <a:pPr defTabSz="342900">
+              <a:lnSpc>
+                <a:spcPct val="120000"/>
+              </a:lnSpc>
+            </a:pPr>
+            <a:r>
+              <a:rPr lang="en-US" altLang="zh-CN" sz="1540" dirty="0">
+                <a:solidFill>
+                  <a:srgbClr val="262626"/>
+                </a:solidFill>
+              </a:rPr>
+              <a:t>1 change class to functional component</a:t>
+            </a:r>
+            <a:endParaRPr lang="en-US" altLang="zh-CN" sz="1540" dirty="0">
+              <a:solidFill>
+                <a:srgbClr val="262626"/>
+              </a:solidFill>
+            </a:endParaRPr>
+          </a:p>
+          <a:p>
+            <a:pPr defTabSz="342900">
+              <a:lnSpc>
+                <a:spcPct val="120000"/>
+              </a:lnSpc>
+            </a:pPr>
+            <a:r>
+              <a:rPr lang="en-US" altLang="zh-CN" sz="1540" dirty="0">
+                <a:solidFill>
+                  <a:srgbClr val="262626"/>
+                </a:solidFill>
+              </a:rPr>
+              <a:t>2 add context </a:t>
+            </a:r>
+            <a:endParaRPr lang="en-US" altLang="zh-CN" sz="1540" dirty="0">
+              <a:solidFill>
+                <a:srgbClr val="262626"/>
+              </a:solidFill>
+            </a:endParaRPr>
+          </a:p>
+          <a:p>
+            <a:pPr defTabSz="342900">
+              <a:lnSpc>
+                <a:spcPct val="120000"/>
+              </a:lnSpc>
+            </a:pPr>
+            <a:endParaRPr lang="en-US" altLang="zh-CN" sz="1540" dirty="0">
+              <a:solidFill>
+                <a:srgbClr val="262626"/>
+              </a:solidFill>
+            </a:endParaRPr>
+          </a:p>
+          <a:p>
+            <a:pPr defTabSz="342900">
+              <a:lnSpc>
+                <a:spcPct val="120000"/>
+              </a:lnSpc>
+            </a:pPr>
+            <a:endParaRPr lang="en-US" altLang="zh-CN" sz="1540" dirty="0">
+              <a:solidFill>
+                <a:srgbClr val="262626"/>
+              </a:solidFill>
+            </a:endParaRPr>
+          </a:p>
+        </p:txBody>
+      </p:sp>
+    </p:spTree>
+  </p:cSld>
+  <p:clrMapOvr>
+    <a:masterClrMapping/>
+  </p:clrMapOvr>
 </p:sld>
 </file>
 
@@ -10152,6 +11299,152 @@
                 </a:solidFill>
               </a:rPr>
               <a:t>Hooks</a:t>
+            </a:r>
+            <a:endParaRPr lang="en-US" altLang="en-US" sz="1540" dirty="0">
+              <a:solidFill>
+                <a:srgbClr val="262626"/>
+              </a:solidFill>
+            </a:endParaRPr>
+          </a:p>
+          <a:p>
+            <a:pPr marL="228600" lvl="0" indent="-228600" defTabSz="342900">
+              <a:lnSpc>
+                <a:spcPct val="120000"/>
+              </a:lnSpc>
+              <a:buFont typeface="Arial" panose="020B0604020202020204" pitchFamily="34" charset="0"/>
+              <a:buChar char="•"/>
+            </a:pPr>
+            <a:endParaRPr lang="en-US" altLang="en-US" sz="1540" dirty="0">
+              <a:solidFill>
+                <a:srgbClr val="262626"/>
+              </a:solidFill>
+            </a:endParaRPr>
+          </a:p>
+          <a:p>
+            <a:pPr marL="228600" lvl="0" indent="-228600" defTabSz="342900">
+              <a:lnSpc>
+                <a:spcPct val="120000"/>
+              </a:lnSpc>
+              <a:buFont typeface="Arial" panose="020B0604020202020204" pitchFamily="34" charset="0"/>
+              <a:buChar char="•"/>
+            </a:pPr>
+            <a:r>
+              <a:rPr lang="en-US" altLang="en-US" sz="1540" dirty="0">
+                <a:solidFill>
+                  <a:srgbClr val="262626"/>
+                </a:solidFill>
+              </a:rPr>
+              <a:t>Key Points:</a:t>
+            </a:r>
+            <a:endParaRPr lang="en-US" altLang="en-US" sz="1540" dirty="0">
+              <a:solidFill>
+                <a:srgbClr val="262626"/>
+              </a:solidFill>
+            </a:endParaRPr>
+          </a:p>
+          <a:p>
+            <a:pPr marL="228600" lvl="0" indent="-228600" defTabSz="342900">
+              <a:lnSpc>
+                <a:spcPct val="120000"/>
+              </a:lnSpc>
+              <a:buFont typeface="Arial" panose="020B0604020202020204" pitchFamily="34" charset="0"/>
+              <a:buChar char="•"/>
+            </a:pPr>
+            <a:r>
+              <a:rPr lang="en-US" altLang="en-US" sz="1540" dirty="0">
+                <a:solidFill>
+                  <a:srgbClr val="262626"/>
+                </a:solidFill>
+              </a:rPr>
+              <a:t>data passing: props stats and context</a:t>
+            </a:r>
+            <a:endParaRPr lang="en-US" altLang="en-US" sz="1540" dirty="0">
+              <a:solidFill>
+                <a:srgbClr val="262626"/>
+              </a:solidFill>
+            </a:endParaRPr>
+          </a:p>
+          <a:p>
+            <a:pPr marL="228600" lvl="0" indent="-228600" defTabSz="342900">
+              <a:lnSpc>
+                <a:spcPct val="120000"/>
+              </a:lnSpc>
+              <a:buFont typeface="Arial" panose="020B0604020202020204" pitchFamily="34" charset="0"/>
+              <a:buChar char="•"/>
+            </a:pPr>
+            <a:r>
+              <a:rPr lang="en-US" altLang="en-US" sz="1540" dirty="0">
+                <a:solidFill>
+                  <a:srgbClr val="262626"/>
+                </a:solidFill>
+              </a:rPr>
+              <a:t>two types: functional vs class</a:t>
+            </a:r>
+            <a:endParaRPr lang="en-US" altLang="en-US" sz="1540" dirty="0">
+              <a:solidFill>
+                <a:srgbClr val="262626"/>
+              </a:solidFill>
+            </a:endParaRPr>
+          </a:p>
+          <a:p>
+            <a:pPr marL="228600" lvl="0" indent="-228600" defTabSz="342900">
+              <a:lnSpc>
+                <a:spcPct val="120000"/>
+              </a:lnSpc>
+              <a:buFont typeface="Arial" panose="020B0604020202020204" pitchFamily="34" charset="0"/>
+              <a:buChar char="•"/>
+            </a:pPr>
+            <a:r>
+              <a:rPr lang="en-US" altLang="en-US" sz="1540" dirty="0">
+                <a:solidFill>
+                  <a:srgbClr val="262626"/>
+                </a:solidFill>
+              </a:rPr>
+              <a:t>how to write logic in react</a:t>
+            </a:r>
+            <a:endParaRPr lang="en-US" altLang="en-US" sz="1540" dirty="0">
+              <a:solidFill>
+                <a:srgbClr val="262626"/>
+              </a:solidFill>
+            </a:endParaRPr>
+          </a:p>
+          <a:p>
+            <a:pPr marL="228600" lvl="0" indent="-228600" defTabSz="342900">
+              <a:lnSpc>
+                <a:spcPct val="120000"/>
+              </a:lnSpc>
+              <a:buFont typeface="Arial" panose="020B0604020202020204" pitchFamily="34" charset="0"/>
+              <a:buChar char="•"/>
+            </a:pPr>
+            <a:r>
+              <a:rPr lang="en-US" altLang="en-US" sz="1540" dirty="0">
+                <a:solidFill>
+                  <a:srgbClr val="262626"/>
+                </a:solidFill>
+              </a:rPr>
+              <a:t>forms</a:t>
+            </a:r>
+            <a:endParaRPr lang="en-US" altLang="en-US" sz="1540" dirty="0">
+              <a:solidFill>
+                <a:srgbClr val="262626"/>
+              </a:solidFill>
+            </a:endParaRPr>
+          </a:p>
+          <a:p>
+            <a:pPr marL="228600" lvl="0" indent="-228600" defTabSz="342900">
+              <a:lnSpc>
+                <a:spcPct val="120000"/>
+              </a:lnSpc>
+              <a:buFont typeface="Arial" panose="020B0604020202020204" pitchFamily="34" charset="0"/>
+              <a:buChar char="•"/>
+            </a:pPr>
+            <a:r>
+              <a:rPr lang="en-US" altLang="en-US" sz="1540" dirty="0">
+                <a:solidFill>
+                  <a:srgbClr val="262626"/>
+                </a:solidFill>
+              </a:rPr>
+              <a:t>uploads</a:t>
             </a:r>
             <a:endParaRPr lang="en-US" altLang="en-US" sz="1540" dirty="0">
               <a:solidFill>

--- a/BCI - Day12 - Reactjs 1 Intro.pptx
+++ b/BCI - Day12 - Reactjs 1 Intro.pptx
@@ -30,7 +30,8 @@
     <p:sldId id="1847" r:id="rId23"/>
     <p:sldId id="1855" r:id="rId24"/>
     <p:sldId id="1852" r:id="rId25"/>
-    <p:sldId id="1853" r:id="rId26"/>
+    <p:sldId id="1865" r:id="rId26"/>
+    <p:sldId id="1853" r:id="rId27"/>
   </p:sldIdLst>
   <p:sldSz cx="9144000" cy="6858000" type="screen4x3"/>
   <p:notesSz cx="7315200" cy="9601200"/>
@@ -10467,7 +10468,7 @@
                 <a:latin typeface="Calibri" panose="020F0502020204030204" pitchFamily="34" charset="0"/>
                 <a:cs typeface="Calibri" panose="020F0502020204030204" pitchFamily="34" charset="0"/>
               </a:rPr>
-              <a:t>Code Demo</a:t>
+              <a:t>Route Link and Redirect</a:t>
             </a:r>
             <a:endParaRPr lang="en-US" sz="3200" b="1" dirty="0">
               <a:latin typeface="Calibri" panose="020F0502020204030204" pitchFamily="34" charset="0"/>
@@ -10504,32 +10505,274 @@
               </a:lnSpc>
             </a:pPr>
             <a:r>
+              <a:rPr lang="en-US" altLang="zh-CN" sz="1800" dirty="0">
+                <a:solidFill>
+                  <a:srgbClr val="262626"/>
+                </a:solidFill>
+              </a:rPr>
+              <a:t>react-router-dom</a:t>
+            </a:r>
+            <a:endParaRPr lang="en-US" altLang="zh-CN" sz="1800" dirty="0">
+              <a:solidFill>
+                <a:srgbClr val="262626"/>
+              </a:solidFill>
+            </a:endParaRPr>
+          </a:p>
+          <a:p>
+            <a:pPr defTabSz="342900">
+              <a:lnSpc>
+                <a:spcPct val="120000"/>
+              </a:lnSpc>
+            </a:pPr>
+            <a:r>
+              <a:rPr lang="en-US" altLang="zh-CN" sz="1800" dirty="0">
+                <a:solidFill>
+                  <a:srgbClr val="262626"/>
+                </a:solidFill>
+              </a:rPr>
+              <a:t>is a third-party context</a:t>
+            </a:r>
+            <a:endParaRPr lang="en-US" altLang="zh-CN" sz="1800" dirty="0">
+              <a:solidFill>
+                <a:srgbClr val="262626"/>
+              </a:solidFill>
+            </a:endParaRPr>
+          </a:p>
+          <a:p>
+            <a:pPr defTabSz="342900">
+              <a:lnSpc>
+                <a:spcPct val="120000"/>
+              </a:lnSpc>
+            </a:pPr>
+            <a:endParaRPr lang="en-US" altLang="zh-CN" sz="1800" dirty="0">
+              <a:solidFill>
+                <a:srgbClr val="262626"/>
+              </a:solidFill>
+            </a:endParaRPr>
+          </a:p>
+          <a:p>
+            <a:pPr defTabSz="342900">
+              <a:lnSpc>
+                <a:spcPct val="120000"/>
+              </a:lnSpc>
+            </a:pPr>
+            <a:r>
+              <a:rPr lang="en-US" altLang="zh-CN" sz="1800" dirty="0">
+                <a:solidFill>
+                  <a:srgbClr val="262626"/>
+                </a:solidFill>
+              </a:rPr>
+              <a:t>In a functional component, we use useHistory to invoke it; while in a class component we use withRoute to invoke it</a:t>
+            </a:r>
+            <a:endParaRPr lang="en-US" altLang="zh-CN" sz="1800" dirty="0">
+              <a:solidFill>
+                <a:srgbClr val="262626"/>
+              </a:solidFill>
+            </a:endParaRPr>
+          </a:p>
+          <a:p>
+            <a:pPr defTabSz="342900">
+              <a:lnSpc>
+                <a:spcPct val="120000"/>
+              </a:lnSpc>
+            </a:pPr>
+            <a:endParaRPr lang="en-US" altLang="zh-CN" sz="1800" dirty="0">
+              <a:solidFill>
+                <a:srgbClr val="262626"/>
+              </a:solidFill>
+            </a:endParaRPr>
+          </a:p>
+          <a:p>
+            <a:pPr defTabSz="342900">
+              <a:lnSpc>
+                <a:spcPct val="120000"/>
+              </a:lnSpc>
+            </a:pPr>
+            <a:r>
+              <a:rPr lang="en-US" altLang="zh-CN" sz="1800" dirty="0">
+                <a:solidFill>
+                  <a:srgbClr val="262626"/>
+                </a:solidFill>
+              </a:rPr>
+              <a:t>history.push = Link in html</a:t>
+            </a:r>
+            <a:endParaRPr lang="en-US" altLang="zh-CN" sz="1800" dirty="0">
+              <a:solidFill>
+                <a:srgbClr val="262626"/>
+              </a:solidFill>
+            </a:endParaRPr>
+          </a:p>
+          <a:p>
+            <a:pPr defTabSz="342900">
+              <a:lnSpc>
+                <a:spcPct val="120000"/>
+              </a:lnSpc>
+            </a:pPr>
+            <a:r>
+              <a:rPr lang="en-US" altLang="zh-CN" sz="1800" dirty="0">
+                <a:solidFill>
+                  <a:srgbClr val="262626"/>
+                </a:solidFill>
+              </a:rPr>
+              <a:t>history.replace = Redirect in html</a:t>
+            </a:r>
+            <a:endParaRPr lang="en-US" altLang="zh-CN" sz="1800" dirty="0">
+              <a:solidFill>
+                <a:srgbClr val="262626"/>
+              </a:solidFill>
+            </a:endParaRPr>
+          </a:p>
+        </p:txBody>
+      </p:sp>
+    </p:spTree>
+  </p:cSld>
+  <p:clrMapOvr>
+    <a:masterClrMapping/>
+  </p:clrMapOvr>
+</p:sld>
+</file>
+
+<file path=ppt/slides/slide24.xml><?xml version="1.0" encoding="utf-8"?>
+<p:sld xmlns:a="http://schemas.openxmlformats.org/drawingml/2006/main" xmlns:r="http://schemas.openxmlformats.org/officeDocument/2006/relationships" xmlns:p="http://schemas.openxmlformats.org/presentationml/2006/main">
+  <p:cSld>
+    <p:spTree>
+      <p:nvGrpSpPr>
+        <p:cNvPr id="1" name=""/>
+        <p:cNvGrpSpPr/>
+        <p:nvPr/>
+      </p:nvGrpSpPr>
+      <p:grpSpPr>
+        <a:xfrm>
+          <a:off x="0" y="0"/>
+          <a:ext cx="0" cy="0"/>
+          <a:chOff x="0" y="0"/>
+          <a:chExt cx="0" cy="0"/>
+        </a:xfrm>
+      </p:grpSpPr>
+      <p:sp>
+        <p:nvSpPr>
+          <p:cNvPr id="2" name="Title 1"/>
+          <p:cNvSpPr>
+            <a:spLocks noGrp="1"/>
+          </p:cNvSpPr>
+          <p:nvPr>
+            <p:ph type="title"/>
+          </p:nvPr>
+        </p:nvSpPr>
+        <p:spPr>
+          <a:xfrm>
+            <a:off x="628650" y="155263"/>
+            <a:ext cx="7886700" cy="526790"/>
+          </a:xfrm>
+        </p:spPr>
+        <p:txBody>
+          <a:bodyPr>
+            <a:normAutofit fontScale="90000"/>
+          </a:bodyPr>
+          <a:lstStyle/>
+          <a:p>
+            <a:pPr algn="ctr"/>
+            <a:r>
+              <a:rPr lang="en-US" sz="3200" b="1" dirty="0">
+                <a:latin typeface="Calibri" panose="020F0502020204030204" pitchFamily="34" charset="0"/>
+                <a:cs typeface="Calibri" panose="020F0502020204030204" pitchFamily="34" charset="0"/>
+              </a:rPr>
+              <a:t>Code Demo</a:t>
+            </a:r>
+            <a:endParaRPr lang="en-US" sz="3200" b="1" dirty="0">
+              <a:latin typeface="Calibri" panose="020F0502020204030204" pitchFamily="34" charset="0"/>
+              <a:cs typeface="Calibri" panose="020F0502020204030204" pitchFamily="34" charset="0"/>
+            </a:endParaRPr>
+          </a:p>
+        </p:txBody>
+      </p:sp>
+      <p:sp>
+        <p:nvSpPr>
+          <p:cNvPr id="3" name="Content Placeholder 2"/>
+          <p:cNvSpPr>
+            <a:spLocks noGrp="1"/>
+          </p:cNvSpPr>
+          <p:nvPr>
+            <p:ph idx="1"/>
+          </p:nvPr>
+        </p:nvSpPr>
+        <p:spPr>
+          <a:xfrm>
+            <a:off x="628650" y="989044"/>
+            <a:ext cx="7886700" cy="5605719"/>
+          </a:xfrm>
+        </p:spPr>
+        <p:txBody>
+          <a:bodyPr>
+            <a:normAutofit/>
+          </a:bodyPr>
+          <a:lstStyle/>
+          <a:p>
+            <a:pPr defTabSz="342900">
+              <a:lnSpc>
+                <a:spcPct val="120000"/>
+              </a:lnSpc>
+            </a:pPr>
+            <a:r>
+              <a:rPr lang="en-US" altLang="zh-CN" sz="1535" dirty="0">
+                <a:solidFill>
+                  <a:srgbClr val="262626"/>
+                </a:solidFill>
+                <a:sym typeface="+mn-ea"/>
+              </a:rPr>
+              <a:t>1 add Route context </a:t>
+            </a:r>
+            <a:r>
+              <a:rPr lang="en-US" altLang="zh-CN" sz="1535" dirty="0">
+                <a:solidFill>
+                  <a:srgbClr val="262626"/>
+                </a:solidFill>
+                <a:sym typeface="+mn-ea"/>
+              </a:rPr>
+              <a:t>https://bezkoder.com/react-jwt-auth/</a:t>
+            </a:r>
+            <a:endParaRPr lang="en-US" altLang="zh-CN" sz="1535" dirty="0">
+              <a:solidFill>
+                <a:srgbClr val="262626"/>
+              </a:solidFill>
+              <a:sym typeface="+mn-ea"/>
+            </a:endParaRPr>
+          </a:p>
+          <a:p>
+            <a:pPr defTabSz="342900">
+              <a:lnSpc>
+                <a:spcPct val="120000"/>
+              </a:lnSpc>
+            </a:pPr>
+            <a:r>
+              <a:rPr lang="en-US" altLang="zh-CN" sz="1535" dirty="0">
+                <a:solidFill>
+                  <a:srgbClr val="262626"/>
+                </a:solidFill>
+                <a:sym typeface="+mn-ea"/>
+              </a:rPr>
+              <a:t>2 add user auth (localStorage vs cookie, how to implement)</a:t>
+            </a:r>
+            <a:endParaRPr lang="en-US" altLang="zh-CN" sz="1535" dirty="0">
+              <a:solidFill>
+                <a:srgbClr val="262626"/>
+              </a:solidFill>
+              <a:sym typeface="+mn-ea"/>
+            </a:endParaRPr>
+          </a:p>
+          <a:p>
+            <a:pPr defTabSz="342900">
+              <a:lnSpc>
+                <a:spcPct val="120000"/>
+              </a:lnSpc>
+            </a:pPr>
+            <a:r>
               <a:rPr lang="en-US" altLang="zh-CN" sz="1540" dirty="0">
                 <a:solidFill>
                   <a:srgbClr val="262626"/>
                 </a:solidFill>
               </a:rPr>
-              <a:t>1 change class to functional component</a:t>
-            </a:r>
-            <a:endParaRPr lang="en-US" altLang="zh-CN" sz="1540" dirty="0">
-              <a:solidFill>
-                <a:srgbClr val="262626"/>
-              </a:solidFill>
-            </a:endParaRPr>
-          </a:p>
-          <a:p>
-            <a:pPr defTabSz="342900">
-              <a:lnSpc>
-                <a:spcPct val="120000"/>
-              </a:lnSpc>
-            </a:pPr>
-            <a:r>
-              <a:rPr lang="en-US" altLang="zh-CN" sz="1540" dirty="0">
-                <a:solidFill>
-                  <a:srgbClr val="262626"/>
-                </a:solidFill>
-              </a:rPr>
-              <a:t>2 add context </a:t>
+              <a:t>3 change class to functional component</a:t>
             </a:r>
             <a:endParaRPr lang="en-US" altLang="zh-CN" sz="1540" dirty="0">
               <a:solidFill>

--- a/BCI - Day12 - Reactjs 1 Intro.pptx
+++ b/BCI - Day12 - Reactjs 1 Intro.pptx
@@ -10406,6 +10406,38 @@
                 </a:solidFill>
               </a:rPr>
               <a:t>add submit handler</a:t>
+            </a:r>
+            <a:endParaRPr lang="en-US" altLang="zh-CN" sz="1540" dirty="0">
+              <a:solidFill>
+                <a:srgbClr val="262626"/>
+              </a:solidFill>
+            </a:endParaRPr>
+          </a:p>
+          <a:p>
+            <a:pPr lvl="1" defTabSz="342900">
+              <a:lnSpc>
+                <a:spcPct val="120000"/>
+              </a:lnSpc>
+            </a:pPr>
+            <a:endParaRPr lang="en-US" altLang="zh-CN" sz="1540" dirty="0">
+              <a:solidFill>
+                <a:srgbClr val="262626"/>
+              </a:solidFill>
+            </a:endParaRPr>
+          </a:p>
+          <a:p>
+            <a:pPr lvl="1" defTabSz="342900">
+              <a:lnSpc>
+                <a:spcPct val="120000"/>
+              </a:lnSpc>
+            </a:pPr>
+            <a:r>
+              <a:rPr lang="en-US" altLang="zh-CN" sz="1540" dirty="0">
+                <a:solidFill>
+                  <a:srgbClr val="262626"/>
+                </a:solidFill>
+              </a:rPr>
+              <a:t>add auth</a:t>
             </a:r>
             <a:endParaRPr lang="en-US" altLang="zh-CN" sz="1540" dirty="0">
               <a:solidFill>
